--- a/manuscript/Figs/laboratory_sample.pptx
+++ b/manuscript/Figs/laboratory_sample.pptx
@@ -6,6 +6,7 @@
   </p:sldMasterIdLst>
   <p:sldIdLst>
     <p:sldId id="256" r:id="rId2"/>
+    <p:sldId id="257" r:id="rId3"/>
   </p:sldIdLst>
   <p:sldSz cx="7021513" cy="7021513"/>
   <p:notesSz cx="6858000" cy="9144000"/>
@@ -288,7 +289,7 @@
           <a:p>
             <a:fld id="{D7452B80-30F9-4EAA-995D-84C721CD14C9}" type="datetimeFigureOut">
               <a:rPr lang="pt-BR" smtClean="0"/>
-              <a:t>25/02/2016</a:t>
+              <a:t>22/07/2016</a:t>
             </a:fld>
             <a:endParaRPr lang="pt-BR"/>
           </a:p>
@@ -458,7 +459,7 @@
           <a:p>
             <a:fld id="{D7452B80-30F9-4EAA-995D-84C721CD14C9}" type="datetimeFigureOut">
               <a:rPr lang="pt-BR" smtClean="0"/>
-              <a:t>25/02/2016</a:t>
+              <a:t>22/07/2016</a:t>
             </a:fld>
             <a:endParaRPr lang="pt-BR"/>
           </a:p>
@@ -638,7 +639,7 @@
           <a:p>
             <a:fld id="{D7452B80-30F9-4EAA-995D-84C721CD14C9}" type="datetimeFigureOut">
               <a:rPr lang="pt-BR" smtClean="0"/>
-              <a:t>25/02/2016</a:t>
+              <a:t>22/07/2016</a:t>
             </a:fld>
             <a:endParaRPr lang="pt-BR"/>
           </a:p>
@@ -808,7 +809,7 @@
           <a:p>
             <a:fld id="{D7452B80-30F9-4EAA-995D-84C721CD14C9}" type="datetimeFigureOut">
               <a:rPr lang="pt-BR" smtClean="0"/>
-              <a:t>25/02/2016</a:t>
+              <a:t>22/07/2016</a:t>
             </a:fld>
             <a:endParaRPr lang="pt-BR"/>
           </a:p>
@@ -1054,7 +1055,7 @@
           <a:p>
             <a:fld id="{D7452B80-30F9-4EAA-995D-84C721CD14C9}" type="datetimeFigureOut">
               <a:rPr lang="pt-BR" smtClean="0"/>
-              <a:t>25/02/2016</a:t>
+              <a:t>22/07/2016</a:t>
             </a:fld>
             <a:endParaRPr lang="pt-BR"/>
           </a:p>
@@ -1342,7 +1343,7 @@
           <a:p>
             <a:fld id="{D7452B80-30F9-4EAA-995D-84C721CD14C9}" type="datetimeFigureOut">
               <a:rPr lang="pt-BR" smtClean="0"/>
-              <a:t>25/02/2016</a:t>
+              <a:t>22/07/2016</a:t>
             </a:fld>
             <a:endParaRPr lang="pt-BR"/>
           </a:p>
@@ -1764,7 +1765,7 @@
           <a:p>
             <a:fld id="{D7452B80-30F9-4EAA-995D-84C721CD14C9}" type="datetimeFigureOut">
               <a:rPr lang="pt-BR" smtClean="0"/>
-              <a:t>25/02/2016</a:t>
+              <a:t>22/07/2016</a:t>
             </a:fld>
             <a:endParaRPr lang="pt-BR"/>
           </a:p>
@@ -1882,7 +1883,7 @@
           <a:p>
             <a:fld id="{D7452B80-30F9-4EAA-995D-84C721CD14C9}" type="datetimeFigureOut">
               <a:rPr lang="pt-BR" smtClean="0"/>
-              <a:t>25/02/2016</a:t>
+              <a:t>22/07/2016</a:t>
             </a:fld>
             <a:endParaRPr lang="pt-BR"/>
           </a:p>
@@ -1977,7 +1978,7 @@
           <a:p>
             <a:fld id="{D7452B80-30F9-4EAA-995D-84C721CD14C9}" type="datetimeFigureOut">
               <a:rPr lang="pt-BR" smtClean="0"/>
-              <a:t>25/02/2016</a:t>
+              <a:t>22/07/2016</a:t>
             </a:fld>
             <a:endParaRPr lang="pt-BR"/>
           </a:p>
@@ -2254,7 +2255,7 @@
           <a:p>
             <a:fld id="{D7452B80-30F9-4EAA-995D-84C721CD14C9}" type="datetimeFigureOut">
               <a:rPr lang="pt-BR" smtClean="0"/>
-              <a:t>25/02/2016</a:t>
+              <a:t>22/07/2016</a:t>
             </a:fld>
             <a:endParaRPr lang="pt-BR"/>
           </a:p>
@@ -2507,7 +2508,7 @@
           <a:p>
             <a:fld id="{D7452B80-30F9-4EAA-995D-84C721CD14C9}" type="datetimeFigureOut">
               <a:rPr lang="pt-BR" smtClean="0"/>
-              <a:t>25/02/2016</a:t>
+              <a:t>22/07/2016</a:t>
             </a:fld>
             <a:endParaRPr lang="pt-BR"/>
           </a:p>
@@ -2720,7 +2721,7 @@
           <a:p>
             <a:fld id="{D7452B80-30F9-4EAA-995D-84C721CD14C9}" type="datetimeFigureOut">
               <a:rPr lang="pt-BR" smtClean="0"/>
-              <a:t>25/02/2016</a:t>
+              <a:t>22/07/2016</a:t>
             </a:fld>
             <a:endParaRPr lang="pt-BR"/>
           </a:p>
@@ -5740,6 +5741,2705 @@
 </p:sld>
 </file>
 
+<file path=ppt/slides/slide2.xml><?xml version="1.0" encoding="utf-8"?>
+<p:sld xmlns:a="http://schemas.openxmlformats.org/drawingml/2006/main" xmlns:r="http://schemas.openxmlformats.org/officeDocument/2006/relationships" xmlns:p="http://schemas.openxmlformats.org/presentationml/2006/main">
+  <p:cSld>
+    <p:spTree>
+      <p:nvGrpSpPr>
+        <p:cNvPr id="1" name=""/>
+        <p:cNvGrpSpPr/>
+        <p:nvPr/>
+      </p:nvGrpSpPr>
+      <p:grpSpPr>
+        <a:xfrm>
+          <a:off x="0" y="0"/>
+          <a:ext cx="0" cy="0"/>
+          <a:chOff x="0" y="0"/>
+          <a:chExt cx="0" cy="0"/>
+        </a:xfrm>
+      </p:grpSpPr>
+      <p:grpSp>
+        <p:nvGrpSpPr>
+          <p:cNvPr id="4" name="Grupo 3"/>
+          <p:cNvGrpSpPr/>
+          <p:nvPr/>
+        </p:nvGrpSpPr>
+        <p:grpSpPr>
+          <a:xfrm>
+            <a:off x="44624" y="755293"/>
+            <a:ext cx="1627936" cy="2160523"/>
+            <a:chOff x="2593152" y="611277"/>
+            <a:chExt cx="1627936" cy="2160523"/>
+          </a:xfrm>
+        </p:grpSpPr>
+        <p:sp>
+          <p:nvSpPr>
+            <p:cNvPr id="5" name="Retângulo 4"/>
+            <p:cNvSpPr/>
+            <p:nvPr/>
+          </p:nvSpPr>
+          <p:spPr>
+            <a:xfrm>
+              <a:off x="3140968" y="613465"/>
+              <a:ext cx="1080000" cy="1440160"/>
+            </a:xfrm>
+            <a:prstGeom prst="rect">
+              <a:avLst/>
+            </a:prstGeom>
+            <a:noFill/>
+            <a:ln w="28575">
+              <a:solidFill>
+                <a:schemeClr val="tx1"/>
+              </a:solidFill>
+            </a:ln>
+          </p:spPr>
+          <p:style>
+            <a:lnRef idx="2">
+              <a:schemeClr val="accent1">
+                <a:shade val="50000"/>
+              </a:schemeClr>
+            </a:lnRef>
+            <a:fillRef idx="1">
+              <a:schemeClr val="accent1"/>
+            </a:fillRef>
+            <a:effectRef idx="0">
+              <a:schemeClr val="accent1"/>
+            </a:effectRef>
+            <a:fontRef idx="minor">
+              <a:schemeClr val="lt1"/>
+            </a:fontRef>
+          </p:style>
+          <p:txBody>
+            <a:bodyPr rtlCol="0" anchor="ctr"/>
+            <a:lstStyle/>
+            <a:p>
+              <a:pPr algn="ctr"/>
+              <a:endParaRPr lang="pt-BR"/>
+            </a:p>
+          </p:txBody>
+        </p:sp>
+        <p:cxnSp>
+          <p:nvCxnSpPr>
+            <p:cNvPr id="6" name="Conector reto 5"/>
+            <p:cNvCxnSpPr/>
+            <p:nvPr/>
+          </p:nvCxnSpPr>
+          <p:spPr>
+            <a:xfrm flipV="1">
+              <a:off x="2593152" y="613381"/>
+              <a:ext cx="547816" cy="715489"/>
+            </a:xfrm>
+            <a:prstGeom prst="line">
+              <a:avLst/>
+            </a:prstGeom>
+            <a:ln w="28575">
+              <a:solidFill>
+                <a:schemeClr val="tx1"/>
+              </a:solidFill>
+            </a:ln>
+          </p:spPr>
+          <p:style>
+            <a:lnRef idx="1">
+              <a:schemeClr val="accent1"/>
+            </a:lnRef>
+            <a:fillRef idx="0">
+              <a:schemeClr val="accent1"/>
+            </a:fillRef>
+            <a:effectRef idx="0">
+              <a:schemeClr val="accent1"/>
+            </a:effectRef>
+            <a:fontRef idx="minor">
+              <a:schemeClr val="tx1"/>
+            </a:fontRef>
+          </p:style>
+        </p:cxnSp>
+        <p:cxnSp>
+          <p:nvCxnSpPr>
+            <p:cNvPr id="7" name="Conector reto 6"/>
+            <p:cNvCxnSpPr/>
+            <p:nvPr/>
+          </p:nvCxnSpPr>
+          <p:spPr>
+            <a:xfrm flipV="1">
+              <a:off x="3673272" y="2055838"/>
+              <a:ext cx="547816" cy="715489"/>
+            </a:xfrm>
+            <a:prstGeom prst="line">
+              <a:avLst/>
+            </a:prstGeom>
+            <a:ln w="28575">
+              <a:solidFill>
+                <a:schemeClr val="tx1"/>
+              </a:solidFill>
+            </a:ln>
+          </p:spPr>
+          <p:style>
+            <a:lnRef idx="1">
+              <a:schemeClr val="accent1"/>
+            </a:lnRef>
+            <a:fillRef idx="0">
+              <a:schemeClr val="accent1"/>
+            </a:fillRef>
+            <a:effectRef idx="0">
+              <a:schemeClr val="accent1"/>
+            </a:effectRef>
+            <a:fontRef idx="minor">
+              <a:schemeClr val="tx1"/>
+            </a:fontRef>
+          </p:style>
+        </p:cxnSp>
+        <p:cxnSp>
+          <p:nvCxnSpPr>
+            <p:cNvPr id="8" name="Conector reto 7"/>
+            <p:cNvCxnSpPr/>
+            <p:nvPr/>
+          </p:nvCxnSpPr>
+          <p:spPr>
+            <a:xfrm flipV="1">
+              <a:off x="2593272" y="2055838"/>
+              <a:ext cx="547816" cy="715489"/>
+            </a:xfrm>
+            <a:prstGeom prst="line">
+              <a:avLst/>
+            </a:prstGeom>
+            <a:ln w="28575">
+              <a:solidFill>
+                <a:schemeClr val="tx1"/>
+              </a:solidFill>
+            </a:ln>
+          </p:spPr>
+          <p:style>
+            <a:lnRef idx="1">
+              <a:schemeClr val="accent1"/>
+            </a:lnRef>
+            <a:fillRef idx="0">
+              <a:schemeClr val="accent1"/>
+            </a:fillRef>
+            <a:effectRef idx="0">
+              <a:schemeClr val="accent1"/>
+            </a:effectRef>
+            <a:fontRef idx="minor">
+              <a:schemeClr val="tx1"/>
+            </a:fontRef>
+          </p:style>
+        </p:cxnSp>
+        <p:sp>
+          <p:nvSpPr>
+            <p:cNvPr id="9" name="Forma livre 8"/>
+            <p:cNvSpPr/>
+            <p:nvPr/>
+          </p:nvSpPr>
+          <p:spPr>
+            <a:xfrm>
+              <a:off x="3137158" y="611277"/>
+              <a:ext cx="553832" cy="2160523"/>
+            </a:xfrm>
+            <a:custGeom>
+              <a:avLst/>
+              <a:gdLst>
+                <a:gd name="connsiteX0" fmla="*/ 0 w 553832"/>
+                <a:gd name="connsiteY0" fmla="*/ 2160523 h 2160523"/>
+                <a:gd name="connsiteX1" fmla="*/ 5769 w 553832"/>
+                <a:gd name="connsiteY1" fmla="*/ 712482 h 2160523"/>
+                <a:gd name="connsiteX2" fmla="*/ 553832 w 553832"/>
+                <a:gd name="connsiteY2" fmla="*/ 0 h 2160523"/>
+                <a:gd name="connsiteX3" fmla="*/ 550947 w 553832"/>
+                <a:gd name="connsiteY3" fmla="*/ 1442272 h 2160523"/>
+                <a:gd name="connsiteX4" fmla="*/ 0 w 553832"/>
+                <a:gd name="connsiteY4" fmla="*/ 2160523 h 2160523"/>
+              </a:gdLst>
+              <a:ahLst/>
+              <a:cxnLst>
+                <a:cxn ang="0">
+                  <a:pos x="connsiteX0" y="connsiteY0"/>
+                </a:cxn>
+                <a:cxn ang="0">
+                  <a:pos x="connsiteX1" y="connsiteY1"/>
+                </a:cxn>
+                <a:cxn ang="0">
+                  <a:pos x="connsiteX2" y="connsiteY2"/>
+                </a:cxn>
+                <a:cxn ang="0">
+                  <a:pos x="connsiteX3" y="connsiteY3"/>
+                </a:cxn>
+                <a:cxn ang="0">
+                  <a:pos x="connsiteX4" y="connsiteY4"/>
+                </a:cxn>
+              </a:cxnLst>
+              <a:rect l="l" t="t" r="r" b="b"/>
+              <a:pathLst>
+                <a:path w="553832" h="2160523">
+                  <a:moveTo>
+                    <a:pt x="0" y="2160523"/>
+                  </a:moveTo>
+                  <a:lnTo>
+                    <a:pt x="5769" y="712482"/>
+                  </a:lnTo>
+                  <a:lnTo>
+                    <a:pt x="553832" y="0"/>
+                  </a:lnTo>
+                  <a:cubicBezTo>
+                    <a:pt x="552870" y="480757"/>
+                    <a:pt x="551909" y="961515"/>
+                    <a:pt x="550947" y="1442272"/>
+                  </a:cubicBezTo>
+                  <a:lnTo>
+                    <a:pt x="0" y="2160523"/>
+                  </a:lnTo>
+                  <a:close/>
+                </a:path>
+              </a:pathLst>
+            </a:custGeom>
+            <a:solidFill>
+              <a:srgbClr val="BABABA">
+                <a:alpha val="60000"/>
+              </a:srgbClr>
+            </a:solidFill>
+            <a:ln>
+              <a:solidFill>
+                <a:schemeClr val="tx1"/>
+              </a:solidFill>
+              <a:prstDash val="sysDash"/>
+            </a:ln>
+          </p:spPr>
+          <p:style>
+            <a:lnRef idx="2">
+              <a:schemeClr val="accent1">
+                <a:shade val="50000"/>
+              </a:schemeClr>
+            </a:lnRef>
+            <a:fillRef idx="1">
+              <a:schemeClr val="accent1"/>
+            </a:fillRef>
+            <a:effectRef idx="0">
+              <a:schemeClr val="accent1"/>
+            </a:effectRef>
+            <a:fontRef idx="minor">
+              <a:schemeClr val="lt1"/>
+            </a:fontRef>
+          </p:style>
+          <p:txBody>
+            <a:bodyPr rtlCol="0" anchor="ctr"/>
+            <a:lstStyle/>
+            <a:p>
+              <a:pPr algn="ctr"/>
+              <a:endParaRPr lang="pt-BR"/>
+            </a:p>
+          </p:txBody>
+        </p:sp>
+        <p:sp>
+          <p:nvSpPr>
+            <p:cNvPr id="10" name="Retângulo 9"/>
+            <p:cNvSpPr/>
+            <p:nvPr/>
+          </p:nvSpPr>
+          <p:spPr>
+            <a:xfrm>
+              <a:off x="2593152" y="1328953"/>
+              <a:ext cx="1080000" cy="1440160"/>
+            </a:xfrm>
+            <a:prstGeom prst="rect">
+              <a:avLst/>
+            </a:prstGeom>
+            <a:noFill/>
+            <a:ln w="28575">
+              <a:solidFill>
+                <a:schemeClr val="tx1"/>
+              </a:solidFill>
+            </a:ln>
+          </p:spPr>
+          <p:style>
+            <a:lnRef idx="2">
+              <a:schemeClr val="accent1">
+                <a:shade val="50000"/>
+              </a:schemeClr>
+            </a:lnRef>
+            <a:fillRef idx="1">
+              <a:schemeClr val="accent1"/>
+            </a:fillRef>
+            <a:effectRef idx="0">
+              <a:schemeClr val="accent1"/>
+            </a:effectRef>
+            <a:fontRef idx="minor">
+              <a:schemeClr val="lt1"/>
+            </a:fontRef>
+          </p:style>
+          <p:txBody>
+            <a:bodyPr rtlCol="0" anchor="ctr"/>
+            <a:lstStyle/>
+            <a:p>
+              <a:pPr algn="ctr"/>
+              <a:endParaRPr lang="pt-BR"/>
+            </a:p>
+          </p:txBody>
+        </p:sp>
+        <p:cxnSp>
+          <p:nvCxnSpPr>
+            <p:cNvPr id="11" name="Conector reto 10"/>
+            <p:cNvCxnSpPr/>
+            <p:nvPr/>
+          </p:nvCxnSpPr>
+          <p:spPr>
+            <a:xfrm flipV="1">
+              <a:off x="3673152" y="613381"/>
+              <a:ext cx="547816" cy="715489"/>
+            </a:xfrm>
+            <a:prstGeom prst="line">
+              <a:avLst/>
+            </a:prstGeom>
+            <a:ln w="28575">
+              <a:solidFill>
+                <a:schemeClr val="tx1"/>
+              </a:solidFill>
+            </a:ln>
+          </p:spPr>
+          <p:style>
+            <a:lnRef idx="1">
+              <a:schemeClr val="accent1"/>
+            </a:lnRef>
+            <a:fillRef idx="0">
+              <a:schemeClr val="accent1"/>
+            </a:fillRef>
+            <a:effectRef idx="0">
+              <a:schemeClr val="accent1"/>
+            </a:effectRef>
+            <a:fontRef idx="minor">
+              <a:schemeClr val="tx1"/>
+            </a:fontRef>
+          </p:style>
+        </p:cxnSp>
+      </p:grpSp>
+      <p:grpSp>
+        <p:nvGrpSpPr>
+          <p:cNvPr id="2" name="Grupo 1"/>
+          <p:cNvGrpSpPr/>
+          <p:nvPr/>
+        </p:nvGrpSpPr>
+        <p:grpSpPr>
+          <a:xfrm>
+            <a:off x="836712" y="3419992"/>
+            <a:ext cx="5832648" cy="1440000"/>
+            <a:chOff x="836712" y="3419992"/>
+            <a:chExt cx="5832648" cy="1440000"/>
+          </a:xfrm>
+        </p:grpSpPr>
+        <p:sp>
+          <p:nvSpPr>
+            <p:cNvPr id="23" name="Retângulo 22"/>
+            <p:cNvSpPr/>
+            <p:nvPr/>
+          </p:nvSpPr>
+          <p:spPr>
+            <a:xfrm>
+              <a:off x="836712" y="3419992"/>
+              <a:ext cx="1080000" cy="1440000"/>
+            </a:xfrm>
+            <a:prstGeom prst="rect">
+              <a:avLst/>
+            </a:prstGeom>
+            <a:gradFill>
+              <a:gsLst>
+                <a:gs pos="0">
+                  <a:schemeClr val="bg1"/>
+                </a:gs>
+                <a:gs pos="50000">
+                  <a:schemeClr val="bg1">
+                    <a:lumMod val="75000"/>
+                  </a:schemeClr>
+                </a:gs>
+                <a:gs pos="100000">
+                  <a:schemeClr val="tx1">
+                    <a:lumMod val="75000"/>
+                    <a:lumOff val="25000"/>
+                  </a:schemeClr>
+                </a:gs>
+              </a:gsLst>
+              <a:lin ang="5400000" scaled="1"/>
+            </a:gradFill>
+            <a:ln w="28575">
+              <a:solidFill>
+                <a:schemeClr val="tx1"/>
+              </a:solidFill>
+              <a:prstDash val="sysDash"/>
+            </a:ln>
+          </p:spPr>
+          <p:style>
+            <a:lnRef idx="2">
+              <a:schemeClr val="accent1">
+                <a:shade val="50000"/>
+              </a:schemeClr>
+            </a:lnRef>
+            <a:fillRef idx="1">
+              <a:schemeClr val="accent1"/>
+            </a:fillRef>
+            <a:effectRef idx="0">
+              <a:schemeClr val="accent1"/>
+            </a:effectRef>
+            <a:fontRef idx="minor">
+              <a:schemeClr val="lt1"/>
+            </a:fontRef>
+          </p:style>
+          <p:txBody>
+            <a:bodyPr rtlCol="0" anchor="ctr"/>
+            <a:lstStyle/>
+            <a:p>
+              <a:pPr algn="ctr"/>
+              <a:endParaRPr lang="pt-BR"/>
+            </a:p>
+          </p:txBody>
+        </p:sp>
+        <p:cxnSp>
+          <p:nvCxnSpPr>
+            <p:cNvPr id="24" name="Conector de seta reta 23"/>
+            <p:cNvCxnSpPr/>
+            <p:nvPr/>
+          </p:nvCxnSpPr>
+          <p:spPr>
+            <a:xfrm rot="18900000" flipV="1">
+              <a:off x="1376393" y="3651329"/>
+              <a:ext cx="0" cy="947337"/>
+            </a:xfrm>
+            <a:prstGeom prst="straightConnector1">
+              <a:avLst/>
+            </a:prstGeom>
+            <a:ln w="76200">
+              <a:solidFill>
+                <a:schemeClr val="tx1"/>
+              </a:solidFill>
+              <a:tailEnd type="arrow"/>
+            </a:ln>
+          </p:spPr>
+          <p:style>
+            <a:lnRef idx="1">
+              <a:schemeClr val="accent1"/>
+            </a:lnRef>
+            <a:fillRef idx="0">
+              <a:schemeClr val="accent1"/>
+            </a:fillRef>
+            <a:effectRef idx="0">
+              <a:schemeClr val="accent1"/>
+            </a:effectRef>
+            <a:fontRef idx="minor">
+              <a:schemeClr val="tx1"/>
+            </a:fontRef>
+          </p:style>
+        </p:cxnSp>
+        <p:sp>
+          <p:nvSpPr>
+            <p:cNvPr id="21" name="Retângulo 20"/>
+            <p:cNvSpPr/>
+            <p:nvPr/>
+          </p:nvSpPr>
+          <p:spPr>
+            <a:xfrm>
+              <a:off x="5589360" y="3419992"/>
+              <a:ext cx="1080000" cy="1440000"/>
+            </a:xfrm>
+            <a:prstGeom prst="rect">
+              <a:avLst/>
+            </a:prstGeom>
+            <a:gradFill>
+              <a:gsLst>
+                <a:gs pos="0">
+                  <a:schemeClr val="bg1"/>
+                </a:gs>
+                <a:gs pos="50000">
+                  <a:schemeClr val="bg1">
+                    <a:lumMod val="75000"/>
+                  </a:schemeClr>
+                </a:gs>
+                <a:gs pos="100000">
+                  <a:schemeClr val="tx1">
+                    <a:lumMod val="75000"/>
+                    <a:lumOff val="25000"/>
+                  </a:schemeClr>
+                </a:gs>
+              </a:gsLst>
+              <a:lin ang="5400000" scaled="1"/>
+            </a:gradFill>
+            <a:ln w="28575">
+              <a:solidFill>
+                <a:schemeClr val="tx1"/>
+              </a:solidFill>
+              <a:prstDash val="sysDash"/>
+            </a:ln>
+          </p:spPr>
+          <p:style>
+            <a:lnRef idx="2">
+              <a:schemeClr val="accent1">
+                <a:shade val="50000"/>
+              </a:schemeClr>
+            </a:lnRef>
+            <a:fillRef idx="1">
+              <a:schemeClr val="accent1"/>
+            </a:fillRef>
+            <a:effectRef idx="0">
+              <a:schemeClr val="accent1"/>
+            </a:effectRef>
+            <a:fontRef idx="minor">
+              <a:schemeClr val="lt1"/>
+            </a:fontRef>
+          </p:style>
+          <p:txBody>
+            <a:bodyPr rtlCol="0" anchor="ctr"/>
+            <a:lstStyle/>
+            <a:p>
+              <a:pPr algn="ctr"/>
+              <a:endParaRPr lang="pt-BR"/>
+            </a:p>
+          </p:txBody>
+        </p:sp>
+        <p:cxnSp>
+          <p:nvCxnSpPr>
+            <p:cNvPr id="22" name="Conector de seta reta 21"/>
+            <p:cNvCxnSpPr/>
+            <p:nvPr/>
+          </p:nvCxnSpPr>
+          <p:spPr>
+            <a:xfrm rot="16200000" flipV="1">
+              <a:off x="6129799" y="3651329"/>
+              <a:ext cx="0" cy="947337"/>
+            </a:xfrm>
+            <a:prstGeom prst="straightConnector1">
+              <a:avLst/>
+            </a:prstGeom>
+            <a:ln w="76200">
+              <a:solidFill>
+                <a:schemeClr val="tx1"/>
+              </a:solidFill>
+              <a:tailEnd type="arrow"/>
+            </a:ln>
+          </p:spPr>
+          <p:style>
+            <a:lnRef idx="1">
+              <a:schemeClr val="accent1"/>
+            </a:lnRef>
+            <a:fillRef idx="0">
+              <a:schemeClr val="accent1"/>
+            </a:fillRef>
+            <a:effectRef idx="0">
+              <a:schemeClr val="accent1"/>
+            </a:effectRef>
+            <a:fontRef idx="minor">
+              <a:schemeClr val="tx1"/>
+            </a:fontRef>
+          </p:style>
+        </p:cxnSp>
+        <p:sp>
+          <p:nvSpPr>
+            <p:cNvPr id="19" name="Retângulo 18"/>
+            <p:cNvSpPr/>
+            <p:nvPr/>
+          </p:nvSpPr>
+          <p:spPr>
+            <a:xfrm>
+              <a:off x="2420888" y="3419992"/>
+              <a:ext cx="1080000" cy="1440000"/>
+            </a:xfrm>
+            <a:prstGeom prst="rect">
+              <a:avLst/>
+            </a:prstGeom>
+            <a:gradFill>
+              <a:gsLst>
+                <a:gs pos="0">
+                  <a:schemeClr val="bg1"/>
+                </a:gs>
+                <a:gs pos="50000">
+                  <a:schemeClr val="bg1">
+                    <a:lumMod val="75000"/>
+                  </a:schemeClr>
+                </a:gs>
+                <a:gs pos="100000">
+                  <a:schemeClr val="tx1">
+                    <a:lumMod val="75000"/>
+                    <a:lumOff val="25000"/>
+                  </a:schemeClr>
+                </a:gs>
+              </a:gsLst>
+              <a:lin ang="5400000" scaled="1"/>
+            </a:gradFill>
+            <a:ln w="28575">
+              <a:solidFill>
+                <a:schemeClr val="tx1"/>
+              </a:solidFill>
+              <a:prstDash val="sysDash"/>
+            </a:ln>
+          </p:spPr>
+          <p:style>
+            <a:lnRef idx="2">
+              <a:schemeClr val="accent1">
+                <a:shade val="50000"/>
+              </a:schemeClr>
+            </a:lnRef>
+            <a:fillRef idx="1">
+              <a:schemeClr val="accent1"/>
+            </a:fillRef>
+            <a:effectRef idx="0">
+              <a:schemeClr val="accent1"/>
+            </a:effectRef>
+            <a:fontRef idx="minor">
+              <a:schemeClr val="lt1"/>
+            </a:fontRef>
+          </p:style>
+          <p:txBody>
+            <a:bodyPr rtlCol="0" anchor="ctr"/>
+            <a:lstStyle/>
+            <a:p>
+              <a:pPr algn="ctr"/>
+              <a:endParaRPr lang="pt-BR"/>
+            </a:p>
+          </p:txBody>
+        </p:sp>
+        <p:cxnSp>
+          <p:nvCxnSpPr>
+            <p:cNvPr id="20" name="Conector de seta reta 19"/>
+            <p:cNvCxnSpPr/>
+            <p:nvPr/>
+          </p:nvCxnSpPr>
+          <p:spPr>
+            <a:xfrm rot="13500000" flipV="1">
+              <a:off x="2960822" y="3651329"/>
+              <a:ext cx="0" cy="947337"/>
+            </a:xfrm>
+            <a:prstGeom prst="straightConnector1">
+              <a:avLst/>
+            </a:prstGeom>
+            <a:ln w="76200">
+              <a:solidFill>
+                <a:schemeClr val="tx1"/>
+              </a:solidFill>
+              <a:tailEnd type="arrow"/>
+            </a:ln>
+          </p:spPr>
+          <p:style>
+            <a:lnRef idx="1">
+              <a:schemeClr val="accent1"/>
+            </a:lnRef>
+            <a:fillRef idx="0">
+              <a:schemeClr val="accent1"/>
+            </a:fillRef>
+            <a:effectRef idx="0">
+              <a:schemeClr val="accent1"/>
+            </a:effectRef>
+            <a:fontRef idx="minor">
+              <a:schemeClr val="tx1"/>
+            </a:fontRef>
+          </p:style>
+        </p:cxnSp>
+        <p:sp>
+          <p:nvSpPr>
+            <p:cNvPr id="17" name="Retângulo 16"/>
+            <p:cNvSpPr/>
+            <p:nvPr/>
+          </p:nvSpPr>
+          <p:spPr>
+            <a:xfrm>
+              <a:off x="4005064" y="3419992"/>
+              <a:ext cx="1080000" cy="1440000"/>
+            </a:xfrm>
+            <a:prstGeom prst="rect">
+              <a:avLst/>
+            </a:prstGeom>
+            <a:gradFill>
+              <a:gsLst>
+                <a:gs pos="0">
+                  <a:schemeClr val="bg1"/>
+                </a:gs>
+                <a:gs pos="50000">
+                  <a:schemeClr val="bg1">
+                    <a:lumMod val="75000"/>
+                  </a:schemeClr>
+                </a:gs>
+                <a:gs pos="100000">
+                  <a:schemeClr val="tx1">
+                    <a:lumMod val="75000"/>
+                    <a:lumOff val="25000"/>
+                  </a:schemeClr>
+                </a:gs>
+              </a:gsLst>
+              <a:lin ang="5400000" scaled="1"/>
+            </a:gradFill>
+            <a:ln w="28575">
+              <a:solidFill>
+                <a:schemeClr val="tx1"/>
+              </a:solidFill>
+              <a:prstDash val="sysDash"/>
+            </a:ln>
+          </p:spPr>
+          <p:style>
+            <a:lnRef idx="2">
+              <a:schemeClr val="accent1">
+                <a:shade val="50000"/>
+              </a:schemeClr>
+            </a:lnRef>
+            <a:fillRef idx="1">
+              <a:schemeClr val="accent1"/>
+            </a:fillRef>
+            <a:effectRef idx="0">
+              <a:schemeClr val="accent1"/>
+            </a:effectRef>
+            <a:fontRef idx="minor">
+              <a:schemeClr val="lt1"/>
+            </a:fontRef>
+          </p:style>
+          <p:txBody>
+            <a:bodyPr rtlCol="0" anchor="ctr"/>
+            <a:lstStyle/>
+            <a:p>
+              <a:pPr algn="ctr"/>
+              <a:endParaRPr lang="pt-BR"/>
+            </a:p>
+          </p:txBody>
+        </p:sp>
+        <p:cxnSp>
+          <p:nvCxnSpPr>
+            <p:cNvPr id="18" name="Conector de seta reta 17"/>
+            <p:cNvCxnSpPr/>
+            <p:nvPr/>
+          </p:nvCxnSpPr>
+          <p:spPr>
+            <a:xfrm rot="5400000" flipV="1">
+              <a:off x="4545251" y="3651329"/>
+              <a:ext cx="0" cy="947337"/>
+            </a:xfrm>
+            <a:prstGeom prst="straightConnector1">
+              <a:avLst/>
+            </a:prstGeom>
+            <a:ln w="76200">
+              <a:solidFill>
+                <a:schemeClr val="tx1"/>
+              </a:solidFill>
+              <a:tailEnd type="arrow"/>
+            </a:ln>
+          </p:spPr>
+          <p:style>
+            <a:lnRef idx="1">
+              <a:schemeClr val="accent1"/>
+            </a:lnRef>
+            <a:fillRef idx="0">
+              <a:schemeClr val="accent1"/>
+            </a:fillRef>
+            <a:effectRef idx="0">
+              <a:schemeClr val="accent1"/>
+            </a:effectRef>
+            <a:fontRef idx="minor">
+              <a:schemeClr val="tx1"/>
+            </a:fontRef>
+          </p:style>
+        </p:cxnSp>
+      </p:grpSp>
+      <p:sp>
+        <p:nvSpPr>
+          <p:cNvPr id="26" name="Retângulo 25"/>
+          <p:cNvSpPr/>
+          <p:nvPr/>
+        </p:nvSpPr>
+        <p:spPr>
+          <a:xfrm rot="16200000">
+            <a:off x="1049966" y="5159210"/>
+            <a:ext cx="1080000" cy="1440000"/>
+          </a:xfrm>
+          <a:prstGeom prst="rect">
+            <a:avLst/>
+          </a:prstGeom>
+          <a:gradFill>
+            <a:gsLst>
+              <a:gs pos="0">
+                <a:schemeClr val="bg1"/>
+              </a:gs>
+              <a:gs pos="50000">
+                <a:schemeClr val="bg1">
+                  <a:lumMod val="75000"/>
+                </a:schemeClr>
+              </a:gs>
+              <a:gs pos="100000">
+                <a:schemeClr val="tx1">
+                  <a:lumMod val="75000"/>
+                  <a:lumOff val="25000"/>
+                </a:schemeClr>
+              </a:gs>
+            </a:gsLst>
+            <a:lin ang="5400000" scaled="1"/>
+          </a:gradFill>
+          <a:ln w="28575">
+            <a:solidFill>
+              <a:schemeClr val="tx1"/>
+            </a:solidFill>
+            <a:prstDash val="sysDash"/>
+          </a:ln>
+        </p:spPr>
+        <p:style>
+          <a:lnRef idx="2">
+            <a:schemeClr val="accent1">
+              <a:shade val="50000"/>
+            </a:schemeClr>
+          </a:lnRef>
+          <a:fillRef idx="1">
+            <a:schemeClr val="accent1"/>
+          </a:fillRef>
+          <a:effectRef idx="0">
+            <a:schemeClr val="accent1"/>
+          </a:effectRef>
+          <a:fontRef idx="minor">
+            <a:schemeClr val="lt1"/>
+          </a:fontRef>
+        </p:style>
+        <p:txBody>
+          <a:bodyPr rtlCol="0" anchor="ctr"/>
+          <a:lstStyle/>
+          <a:p>
+            <a:pPr algn="ctr"/>
+            <a:endParaRPr lang="pt-BR"/>
+          </a:p>
+        </p:txBody>
+      </p:sp>
+      <p:sp>
+        <p:nvSpPr>
+          <p:cNvPr id="27" name="Retângulo 26"/>
+          <p:cNvSpPr/>
+          <p:nvPr/>
+        </p:nvSpPr>
+        <p:spPr>
+          <a:xfrm rot="16200000">
+            <a:off x="2492905" y="5159210"/>
+            <a:ext cx="1080000" cy="1440000"/>
+          </a:xfrm>
+          <a:prstGeom prst="rect">
+            <a:avLst/>
+          </a:prstGeom>
+          <a:gradFill>
+            <a:gsLst>
+              <a:gs pos="0">
+                <a:schemeClr val="bg1"/>
+              </a:gs>
+              <a:gs pos="50000">
+                <a:schemeClr val="bg1">
+                  <a:lumMod val="75000"/>
+                </a:schemeClr>
+              </a:gs>
+              <a:gs pos="100000">
+                <a:schemeClr val="tx1">
+                  <a:lumMod val="75000"/>
+                  <a:lumOff val="25000"/>
+                </a:schemeClr>
+              </a:gs>
+            </a:gsLst>
+            <a:lin ang="5400000" scaled="1"/>
+          </a:gradFill>
+          <a:ln w="28575">
+            <a:solidFill>
+              <a:schemeClr val="tx1"/>
+            </a:solidFill>
+            <a:prstDash val="sysDash"/>
+          </a:ln>
+        </p:spPr>
+        <p:style>
+          <a:lnRef idx="2">
+            <a:schemeClr val="accent1">
+              <a:shade val="50000"/>
+            </a:schemeClr>
+          </a:lnRef>
+          <a:fillRef idx="1">
+            <a:schemeClr val="accent1"/>
+          </a:fillRef>
+          <a:effectRef idx="0">
+            <a:schemeClr val="accent1"/>
+          </a:effectRef>
+          <a:fontRef idx="minor">
+            <a:schemeClr val="lt1"/>
+          </a:fontRef>
+        </p:style>
+        <p:txBody>
+          <a:bodyPr rtlCol="0" anchor="ctr"/>
+          <a:lstStyle/>
+          <a:p>
+            <a:pPr algn="ctr"/>
+            <a:endParaRPr lang="pt-BR"/>
+          </a:p>
+        </p:txBody>
+      </p:sp>
+      <p:sp>
+        <p:nvSpPr>
+          <p:cNvPr id="28" name="Retângulo 27"/>
+          <p:cNvSpPr/>
+          <p:nvPr/>
+        </p:nvSpPr>
+        <p:spPr>
+          <a:xfrm rot="16200000">
+            <a:off x="3935844" y="5159210"/>
+            <a:ext cx="1080000" cy="1440000"/>
+          </a:xfrm>
+          <a:prstGeom prst="rect">
+            <a:avLst/>
+          </a:prstGeom>
+          <a:gradFill>
+            <a:gsLst>
+              <a:gs pos="0">
+                <a:schemeClr val="bg1"/>
+              </a:gs>
+              <a:gs pos="50000">
+                <a:schemeClr val="bg1">
+                  <a:lumMod val="75000"/>
+                </a:schemeClr>
+              </a:gs>
+              <a:gs pos="100000">
+                <a:schemeClr val="tx1">
+                  <a:lumMod val="75000"/>
+                  <a:lumOff val="25000"/>
+                </a:schemeClr>
+              </a:gs>
+            </a:gsLst>
+            <a:lin ang="5400000" scaled="1"/>
+          </a:gradFill>
+          <a:ln w="28575">
+            <a:solidFill>
+              <a:schemeClr val="tx1"/>
+            </a:solidFill>
+            <a:prstDash val="sysDash"/>
+          </a:ln>
+        </p:spPr>
+        <p:style>
+          <a:lnRef idx="2">
+            <a:schemeClr val="accent1">
+              <a:shade val="50000"/>
+            </a:schemeClr>
+          </a:lnRef>
+          <a:fillRef idx="1">
+            <a:schemeClr val="accent1"/>
+          </a:fillRef>
+          <a:effectRef idx="0">
+            <a:schemeClr val="accent1"/>
+          </a:effectRef>
+          <a:fontRef idx="minor">
+            <a:schemeClr val="lt1"/>
+          </a:fontRef>
+        </p:style>
+        <p:txBody>
+          <a:bodyPr rtlCol="0" anchor="ctr"/>
+          <a:lstStyle/>
+          <a:p>
+            <a:pPr algn="ctr"/>
+            <a:endParaRPr lang="pt-BR"/>
+          </a:p>
+        </p:txBody>
+      </p:sp>
+      <p:sp>
+        <p:nvSpPr>
+          <p:cNvPr id="29" name="Retângulo 28"/>
+          <p:cNvSpPr/>
+          <p:nvPr/>
+        </p:nvSpPr>
+        <p:spPr>
+          <a:xfrm rot="16200000">
+            <a:off x="5376111" y="5159210"/>
+            <a:ext cx="1080000" cy="1440000"/>
+          </a:xfrm>
+          <a:prstGeom prst="rect">
+            <a:avLst/>
+          </a:prstGeom>
+          <a:gradFill>
+            <a:gsLst>
+              <a:gs pos="0">
+                <a:schemeClr val="bg1"/>
+              </a:gs>
+              <a:gs pos="50000">
+                <a:schemeClr val="bg1">
+                  <a:lumMod val="75000"/>
+                </a:schemeClr>
+              </a:gs>
+              <a:gs pos="100000">
+                <a:schemeClr val="tx1">
+                  <a:lumMod val="75000"/>
+                  <a:lumOff val="25000"/>
+                </a:schemeClr>
+              </a:gs>
+            </a:gsLst>
+            <a:lin ang="5400000" scaled="1"/>
+          </a:gradFill>
+          <a:ln w="28575">
+            <a:solidFill>
+              <a:schemeClr val="tx1"/>
+            </a:solidFill>
+            <a:prstDash val="sysDash"/>
+          </a:ln>
+        </p:spPr>
+        <p:style>
+          <a:lnRef idx="2">
+            <a:schemeClr val="accent1">
+              <a:shade val="50000"/>
+            </a:schemeClr>
+          </a:lnRef>
+          <a:fillRef idx="1">
+            <a:schemeClr val="accent1"/>
+          </a:fillRef>
+          <a:effectRef idx="0">
+            <a:schemeClr val="accent1"/>
+          </a:effectRef>
+          <a:fontRef idx="minor">
+            <a:schemeClr val="lt1"/>
+          </a:fontRef>
+        </p:style>
+        <p:txBody>
+          <a:bodyPr rtlCol="0" anchor="ctr"/>
+          <a:lstStyle/>
+          <a:p>
+            <a:pPr algn="ctr"/>
+            <a:endParaRPr lang="pt-BR"/>
+          </a:p>
+        </p:txBody>
+      </p:sp>
+      <p:cxnSp>
+        <p:nvCxnSpPr>
+          <p:cNvPr id="30" name="Conector de seta reta 29"/>
+          <p:cNvCxnSpPr/>
+          <p:nvPr/>
+        </p:nvCxnSpPr>
+        <p:spPr>
+          <a:xfrm rot="13500000" flipV="1">
+            <a:off x="1589647" y="5390547"/>
+            <a:ext cx="0" cy="947337"/>
+          </a:xfrm>
+          <a:prstGeom prst="straightConnector1">
+            <a:avLst/>
+          </a:prstGeom>
+          <a:ln w="76200">
+            <a:solidFill>
+              <a:schemeClr val="tx1"/>
+            </a:solidFill>
+            <a:tailEnd type="arrow"/>
+          </a:ln>
+        </p:spPr>
+        <p:style>
+          <a:lnRef idx="1">
+            <a:schemeClr val="accent1"/>
+          </a:lnRef>
+          <a:fillRef idx="0">
+            <a:schemeClr val="accent1"/>
+          </a:fillRef>
+          <a:effectRef idx="0">
+            <a:schemeClr val="accent1"/>
+          </a:effectRef>
+          <a:fontRef idx="minor">
+            <a:schemeClr val="tx1"/>
+          </a:fontRef>
+        </p:style>
+      </p:cxnSp>
+      <p:cxnSp>
+        <p:nvCxnSpPr>
+          <p:cNvPr id="31" name="Conector de seta reta 30"/>
+          <p:cNvCxnSpPr/>
+          <p:nvPr/>
+        </p:nvCxnSpPr>
+        <p:spPr>
+          <a:xfrm rot="10800000" flipV="1">
+            <a:off x="5916550" y="5390547"/>
+            <a:ext cx="0" cy="947337"/>
+          </a:xfrm>
+          <a:prstGeom prst="straightConnector1">
+            <a:avLst/>
+          </a:prstGeom>
+          <a:ln w="76200">
+            <a:solidFill>
+              <a:schemeClr val="tx1"/>
+            </a:solidFill>
+            <a:tailEnd type="arrow"/>
+          </a:ln>
+        </p:spPr>
+        <p:style>
+          <a:lnRef idx="1">
+            <a:schemeClr val="accent1"/>
+          </a:lnRef>
+          <a:fillRef idx="0">
+            <a:schemeClr val="accent1"/>
+          </a:fillRef>
+          <a:effectRef idx="0">
+            <a:schemeClr val="accent1"/>
+          </a:effectRef>
+          <a:fontRef idx="minor">
+            <a:schemeClr val="tx1"/>
+          </a:fontRef>
+        </p:style>
+      </p:cxnSp>
+      <p:cxnSp>
+        <p:nvCxnSpPr>
+          <p:cNvPr id="32" name="Conector de seta reta 31"/>
+          <p:cNvCxnSpPr/>
+          <p:nvPr/>
+        </p:nvCxnSpPr>
+        <p:spPr>
+          <a:xfrm rot="8100000" flipV="1">
+            <a:off x="3032839" y="5390547"/>
+            <a:ext cx="0" cy="947337"/>
+          </a:xfrm>
+          <a:prstGeom prst="straightConnector1">
+            <a:avLst/>
+          </a:prstGeom>
+          <a:ln w="76200">
+            <a:solidFill>
+              <a:schemeClr val="tx1"/>
+            </a:solidFill>
+            <a:tailEnd type="arrow"/>
+          </a:ln>
+        </p:spPr>
+        <p:style>
+          <a:lnRef idx="1">
+            <a:schemeClr val="accent1"/>
+          </a:lnRef>
+          <a:fillRef idx="0">
+            <a:schemeClr val="accent1"/>
+          </a:fillRef>
+          <a:effectRef idx="0">
+            <a:schemeClr val="accent1"/>
+          </a:effectRef>
+          <a:fontRef idx="minor">
+            <a:schemeClr val="tx1"/>
+          </a:fontRef>
+        </p:style>
+      </p:cxnSp>
+      <p:cxnSp>
+        <p:nvCxnSpPr>
+          <p:cNvPr id="33" name="Conector de seta reta 32"/>
+          <p:cNvCxnSpPr/>
+          <p:nvPr/>
+        </p:nvCxnSpPr>
+        <p:spPr>
+          <a:xfrm flipV="1">
+            <a:off x="4476031" y="5390547"/>
+            <a:ext cx="0" cy="947337"/>
+          </a:xfrm>
+          <a:prstGeom prst="straightConnector1">
+            <a:avLst/>
+          </a:prstGeom>
+          <a:ln w="76200">
+            <a:solidFill>
+              <a:schemeClr val="tx1"/>
+            </a:solidFill>
+            <a:tailEnd type="arrow"/>
+          </a:ln>
+        </p:spPr>
+        <p:style>
+          <a:lnRef idx="1">
+            <a:schemeClr val="accent1"/>
+          </a:lnRef>
+          <a:fillRef idx="0">
+            <a:schemeClr val="accent1"/>
+          </a:fillRef>
+          <a:effectRef idx="0">
+            <a:schemeClr val="accent1"/>
+          </a:effectRef>
+          <a:fontRef idx="minor">
+            <a:schemeClr val="tx1"/>
+          </a:fontRef>
+        </p:style>
+      </p:cxnSp>
+      <p:sp>
+        <p:nvSpPr>
+          <p:cNvPr id="34" name="CaixaDeTexto 33"/>
+          <p:cNvSpPr txBox="1"/>
+          <p:nvPr/>
+        </p:nvSpPr>
+        <p:spPr>
+          <a:xfrm>
+            <a:off x="11888" y="170802"/>
+            <a:ext cx="684803" cy="584775"/>
+          </a:xfrm>
+          <a:prstGeom prst="rect">
+            <a:avLst/>
+          </a:prstGeom>
+          <a:noFill/>
+        </p:spPr>
+        <p:txBody>
+          <a:bodyPr wrap="none" rtlCol="0">
+            <a:spAutoFit/>
+          </a:bodyPr>
+          <a:lstStyle/>
+          <a:p>
+            <a:r>
+              <a:rPr lang="pt-BR" sz="3200" dirty="0" smtClean="0">
+                <a:latin typeface="Arial" panose="020B0604020202020204" pitchFamily="34" charset="0"/>
+                <a:cs typeface="Arial" panose="020B0604020202020204" pitchFamily="34" charset="0"/>
+              </a:rPr>
+              <a:t>(a)</a:t>
+            </a:r>
+            <a:endParaRPr lang="pt-BR" sz="3200" dirty="0">
+              <a:latin typeface="Arial" panose="020B0604020202020204" pitchFamily="34" charset="0"/>
+              <a:cs typeface="Arial" panose="020B0604020202020204" pitchFamily="34" charset="0"/>
+            </a:endParaRPr>
+          </a:p>
+        </p:txBody>
+      </p:sp>
+      <p:sp>
+        <p:nvSpPr>
+          <p:cNvPr id="35" name="CaixaDeTexto 34"/>
+          <p:cNvSpPr txBox="1"/>
+          <p:nvPr/>
+        </p:nvSpPr>
+        <p:spPr>
+          <a:xfrm>
+            <a:off x="7895" y="3807130"/>
+            <a:ext cx="684803" cy="584775"/>
+          </a:xfrm>
+          <a:prstGeom prst="rect">
+            <a:avLst/>
+          </a:prstGeom>
+          <a:noFill/>
+        </p:spPr>
+        <p:txBody>
+          <a:bodyPr wrap="none" rtlCol="0">
+            <a:spAutoFit/>
+          </a:bodyPr>
+          <a:lstStyle/>
+          <a:p>
+            <a:r>
+              <a:rPr lang="pt-BR" sz="3200" dirty="0" smtClean="0">
+                <a:latin typeface="Arial" panose="020B0604020202020204" pitchFamily="34" charset="0"/>
+                <a:cs typeface="Arial" panose="020B0604020202020204" pitchFamily="34" charset="0"/>
+              </a:rPr>
+              <a:t>(b)</a:t>
+            </a:r>
+            <a:endParaRPr lang="pt-BR" sz="3200" dirty="0">
+              <a:latin typeface="Arial" panose="020B0604020202020204" pitchFamily="34" charset="0"/>
+              <a:cs typeface="Arial" panose="020B0604020202020204" pitchFamily="34" charset="0"/>
+            </a:endParaRPr>
+          </a:p>
+        </p:txBody>
+      </p:sp>
+      <p:sp>
+        <p:nvSpPr>
+          <p:cNvPr id="36" name="CaixaDeTexto 35"/>
+          <p:cNvSpPr txBox="1"/>
+          <p:nvPr/>
+        </p:nvSpPr>
+        <p:spPr>
+          <a:xfrm>
+            <a:off x="19116" y="5550800"/>
+            <a:ext cx="662361" cy="584775"/>
+          </a:xfrm>
+          <a:prstGeom prst="rect">
+            <a:avLst/>
+          </a:prstGeom>
+          <a:noFill/>
+        </p:spPr>
+        <p:txBody>
+          <a:bodyPr wrap="none" rtlCol="0">
+            <a:spAutoFit/>
+          </a:bodyPr>
+          <a:lstStyle/>
+          <a:p>
+            <a:r>
+              <a:rPr lang="pt-BR" sz="3200" dirty="0" smtClean="0">
+                <a:latin typeface="Arial" panose="020B0604020202020204" pitchFamily="34" charset="0"/>
+                <a:cs typeface="Arial" panose="020B0604020202020204" pitchFamily="34" charset="0"/>
+              </a:rPr>
+              <a:t>(c)</a:t>
+            </a:r>
+            <a:endParaRPr lang="pt-BR" sz="3200" dirty="0">
+              <a:latin typeface="Arial" panose="020B0604020202020204" pitchFamily="34" charset="0"/>
+              <a:cs typeface="Arial" panose="020B0604020202020204" pitchFamily="34" charset="0"/>
+            </a:endParaRPr>
+          </a:p>
+        </p:txBody>
+      </p:sp>
+      <p:cxnSp>
+        <p:nvCxnSpPr>
+          <p:cNvPr id="37" name="Conector de seta reta 36"/>
+          <p:cNvCxnSpPr>
+            <a:stCxn id="28" idx="0"/>
+          </p:cNvCxnSpPr>
+          <p:nvPr/>
+        </p:nvCxnSpPr>
+        <p:spPr>
+          <a:xfrm flipV="1">
+            <a:off x="3755842" y="5864215"/>
+            <a:ext cx="465246" cy="0"/>
+          </a:xfrm>
+          <a:prstGeom prst="straightConnector1">
+            <a:avLst/>
+          </a:prstGeom>
+          <a:ln w="28575">
+            <a:solidFill>
+              <a:schemeClr val="tx1"/>
+            </a:solidFill>
+            <a:tailEnd type="arrow"/>
+          </a:ln>
+        </p:spPr>
+        <p:style>
+          <a:lnRef idx="1">
+            <a:schemeClr val="accent1"/>
+          </a:lnRef>
+          <a:fillRef idx="0">
+            <a:schemeClr val="accent1"/>
+          </a:fillRef>
+          <a:effectRef idx="0">
+            <a:schemeClr val="accent1"/>
+          </a:effectRef>
+          <a:fontRef idx="minor">
+            <a:schemeClr val="tx1"/>
+          </a:fontRef>
+        </p:style>
+      </p:cxnSp>
+      <p:cxnSp>
+        <p:nvCxnSpPr>
+          <p:cNvPr id="38" name="Conector de seta reta 37"/>
+          <p:cNvCxnSpPr/>
+          <p:nvPr/>
+        </p:nvCxnSpPr>
+        <p:spPr>
+          <a:xfrm rot="5400000" flipV="1">
+            <a:off x="3302657" y="6332248"/>
+            <a:ext cx="900000" cy="0"/>
+          </a:xfrm>
+          <a:prstGeom prst="straightConnector1">
+            <a:avLst/>
+          </a:prstGeom>
+          <a:ln w="28575">
+            <a:solidFill>
+              <a:schemeClr val="tx1"/>
+            </a:solidFill>
+            <a:tailEnd type="arrow"/>
+          </a:ln>
+        </p:spPr>
+        <p:style>
+          <a:lnRef idx="1">
+            <a:schemeClr val="accent1"/>
+          </a:lnRef>
+          <a:fillRef idx="0">
+            <a:schemeClr val="accent1"/>
+          </a:fillRef>
+          <a:effectRef idx="0">
+            <a:schemeClr val="accent1"/>
+          </a:effectRef>
+          <a:fontRef idx="minor">
+            <a:schemeClr val="tx1"/>
+          </a:fontRef>
+        </p:style>
+      </p:cxnSp>
+      <p:sp>
+        <p:nvSpPr>
+          <p:cNvPr id="39" name="Elipse 38"/>
+          <p:cNvSpPr/>
+          <p:nvPr/>
+        </p:nvSpPr>
+        <p:spPr>
+          <a:xfrm>
+            <a:off x="3704399" y="5810410"/>
+            <a:ext cx="108000" cy="108000"/>
+          </a:xfrm>
+          <a:prstGeom prst="ellipse">
+            <a:avLst/>
+          </a:prstGeom>
+          <a:solidFill>
+            <a:schemeClr val="tx1"/>
+          </a:solidFill>
+          <a:ln>
+            <a:solidFill>
+              <a:schemeClr val="tx1"/>
+            </a:solidFill>
+          </a:ln>
+        </p:spPr>
+        <p:style>
+          <a:lnRef idx="2">
+            <a:schemeClr val="accent1">
+              <a:shade val="50000"/>
+            </a:schemeClr>
+          </a:lnRef>
+          <a:fillRef idx="1">
+            <a:schemeClr val="accent1"/>
+          </a:fillRef>
+          <a:effectRef idx="0">
+            <a:schemeClr val="accent1"/>
+          </a:effectRef>
+          <a:fontRef idx="minor">
+            <a:schemeClr val="lt1"/>
+          </a:fontRef>
+        </p:style>
+        <p:txBody>
+          <a:bodyPr rtlCol="0" anchor="ctr"/>
+          <a:lstStyle/>
+          <a:p>
+            <a:pPr algn="ctr"/>
+            <a:endParaRPr lang="pt-BR"/>
+          </a:p>
+        </p:txBody>
+      </p:sp>
+      <p:sp>
+        <p:nvSpPr>
+          <p:cNvPr id="40" name="CaixaDeTexto 39"/>
+          <p:cNvSpPr txBox="1"/>
+          <p:nvPr/>
+        </p:nvSpPr>
+        <p:spPr>
+          <a:xfrm>
+            <a:off x="3892026" y="5355920"/>
+            <a:ext cx="343364" cy="523220"/>
+          </a:xfrm>
+          <a:prstGeom prst="rect">
+            <a:avLst/>
+          </a:prstGeom>
+          <a:noFill/>
+        </p:spPr>
+        <p:txBody>
+          <a:bodyPr wrap="none" rtlCol="0">
+            <a:spAutoFit/>
+          </a:bodyPr>
+          <a:lstStyle/>
+          <a:p>
+            <a:r>
+              <a:rPr lang="pt-BR" sz="2800" i="1" dirty="0" smtClean="0">
+                <a:latin typeface="Times New Roman" panose="02020603050405020304" pitchFamily="18" charset="0"/>
+                <a:cs typeface="Times New Roman" panose="02020603050405020304" pitchFamily="18" charset="0"/>
+              </a:rPr>
+              <a:t>x</a:t>
+            </a:r>
+            <a:endParaRPr lang="pt-BR" sz="1400" i="1" dirty="0">
+              <a:latin typeface="Times New Roman" panose="02020603050405020304" pitchFamily="18" charset="0"/>
+              <a:cs typeface="Times New Roman" panose="02020603050405020304" pitchFamily="18" charset="0"/>
+            </a:endParaRPr>
+          </a:p>
+        </p:txBody>
+      </p:sp>
+      <p:sp>
+        <p:nvSpPr>
+          <p:cNvPr id="41" name="CaixaDeTexto 40"/>
+          <p:cNvSpPr txBox="1"/>
+          <p:nvPr/>
+        </p:nvSpPr>
+        <p:spPr>
+          <a:xfrm>
+            <a:off x="3412170" y="6344848"/>
+            <a:ext cx="324128" cy="523220"/>
+          </a:xfrm>
+          <a:prstGeom prst="rect">
+            <a:avLst/>
+          </a:prstGeom>
+          <a:noFill/>
+        </p:spPr>
+        <p:txBody>
+          <a:bodyPr wrap="none" rtlCol="0">
+            <a:spAutoFit/>
+          </a:bodyPr>
+          <a:lstStyle/>
+          <a:p>
+            <a:r>
+              <a:rPr lang="pt-BR" sz="2800" i="1" dirty="0" smtClean="0">
+                <a:latin typeface="Times New Roman" panose="02020603050405020304" pitchFamily="18" charset="0"/>
+                <a:cs typeface="Times New Roman" panose="02020603050405020304" pitchFamily="18" charset="0"/>
+              </a:rPr>
+              <a:t>z</a:t>
+            </a:r>
+            <a:endParaRPr lang="pt-BR" sz="1400" i="1" dirty="0">
+              <a:latin typeface="Times New Roman" panose="02020603050405020304" pitchFamily="18" charset="0"/>
+              <a:cs typeface="Times New Roman" panose="02020603050405020304" pitchFamily="18" charset="0"/>
+            </a:endParaRPr>
+          </a:p>
+        </p:txBody>
+      </p:sp>
+      <p:grpSp>
+        <p:nvGrpSpPr>
+          <p:cNvPr id="42" name="Grupo 41"/>
+          <p:cNvGrpSpPr/>
+          <p:nvPr/>
+        </p:nvGrpSpPr>
+        <p:grpSpPr>
+          <a:xfrm>
+            <a:off x="1758229" y="755293"/>
+            <a:ext cx="1627936" cy="2160523"/>
+            <a:chOff x="2593152" y="611277"/>
+            <a:chExt cx="1627936" cy="2160523"/>
+          </a:xfrm>
+        </p:grpSpPr>
+        <p:sp>
+          <p:nvSpPr>
+            <p:cNvPr id="43" name="Retângulo 42"/>
+            <p:cNvSpPr/>
+            <p:nvPr/>
+          </p:nvSpPr>
+          <p:spPr>
+            <a:xfrm>
+              <a:off x="3140968" y="613465"/>
+              <a:ext cx="1080000" cy="1440160"/>
+            </a:xfrm>
+            <a:prstGeom prst="rect">
+              <a:avLst/>
+            </a:prstGeom>
+            <a:noFill/>
+            <a:ln w="28575">
+              <a:solidFill>
+                <a:schemeClr val="tx1"/>
+              </a:solidFill>
+            </a:ln>
+          </p:spPr>
+          <p:style>
+            <a:lnRef idx="2">
+              <a:schemeClr val="accent1">
+                <a:shade val="50000"/>
+              </a:schemeClr>
+            </a:lnRef>
+            <a:fillRef idx="1">
+              <a:schemeClr val="accent1"/>
+            </a:fillRef>
+            <a:effectRef idx="0">
+              <a:schemeClr val="accent1"/>
+            </a:effectRef>
+            <a:fontRef idx="minor">
+              <a:schemeClr val="lt1"/>
+            </a:fontRef>
+          </p:style>
+          <p:txBody>
+            <a:bodyPr rtlCol="0" anchor="ctr"/>
+            <a:lstStyle/>
+            <a:p>
+              <a:pPr algn="ctr"/>
+              <a:endParaRPr lang="pt-BR"/>
+            </a:p>
+          </p:txBody>
+        </p:sp>
+        <p:cxnSp>
+          <p:nvCxnSpPr>
+            <p:cNvPr id="44" name="Conector reto 43"/>
+            <p:cNvCxnSpPr/>
+            <p:nvPr/>
+          </p:nvCxnSpPr>
+          <p:spPr>
+            <a:xfrm flipV="1">
+              <a:off x="2593152" y="613381"/>
+              <a:ext cx="547816" cy="715489"/>
+            </a:xfrm>
+            <a:prstGeom prst="line">
+              <a:avLst/>
+            </a:prstGeom>
+            <a:ln w="28575">
+              <a:solidFill>
+                <a:schemeClr val="tx1"/>
+              </a:solidFill>
+            </a:ln>
+          </p:spPr>
+          <p:style>
+            <a:lnRef idx="1">
+              <a:schemeClr val="accent1"/>
+            </a:lnRef>
+            <a:fillRef idx="0">
+              <a:schemeClr val="accent1"/>
+            </a:fillRef>
+            <a:effectRef idx="0">
+              <a:schemeClr val="accent1"/>
+            </a:effectRef>
+            <a:fontRef idx="minor">
+              <a:schemeClr val="tx1"/>
+            </a:fontRef>
+          </p:style>
+        </p:cxnSp>
+        <p:cxnSp>
+          <p:nvCxnSpPr>
+            <p:cNvPr id="45" name="Conector reto 44"/>
+            <p:cNvCxnSpPr/>
+            <p:nvPr/>
+          </p:nvCxnSpPr>
+          <p:spPr>
+            <a:xfrm flipV="1">
+              <a:off x="3673272" y="2055838"/>
+              <a:ext cx="547816" cy="715489"/>
+            </a:xfrm>
+            <a:prstGeom prst="line">
+              <a:avLst/>
+            </a:prstGeom>
+            <a:ln w="28575">
+              <a:solidFill>
+                <a:schemeClr val="tx1"/>
+              </a:solidFill>
+            </a:ln>
+          </p:spPr>
+          <p:style>
+            <a:lnRef idx="1">
+              <a:schemeClr val="accent1"/>
+            </a:lnRef>
+            <a:fillRef idx="0">
+              <a:schemeClr val="accent1"/>
+            </a:fillRef>
+            <a:effectRef idx="0">
+              <a:schemeClr val="accent1"/>
+            </a:effectRef>
+            <a:fontRef idx="minor">
+              <a:schemeClr val="tx1"/>
+            </a:fontRef>
+          </p:style>
+        </p:cxnSp>
+        <p:cxnSp>
+          <p:nvCxnSpPr>
+            <p:cNvPr id="46" name="Conector reto 45"/>
+            <p:cNvCxnSpPr/>
+            <p:nvPr/>
+          </p:nvCxnSpPr>
+          <p:spPr>
+            <a:xfrm flipV="1">
+              <a:off x="2593272" y="2055838"/>
+              <a:ext cx="547816" cy="715489"/>
+            </a:xfrm>
+            <a:prstGeom prst="line">
+              <a:avLst/>
+            </a:prstGeom>
+            <a:ln w="28575">
+              <a:solidFill>
+                <a:schemeClr val="tx1"/>
+              </a:solidFill>
+            </a:ln>
+          </p:spPr>
+          <p:style>
+            <a:lnRef idx="1">
+              <a:schemeClr val="accent1"/>
+            </a:lnRef>
+            <a:fillRef idx="0">
+              <a:schemeClr val="accent1"/>
+            </a:fillRef>
+            <a:effectRef idx="0">
+              <a:schemeClr val="accent1"/>
+            </a:effectRef>
+            <a:fontRef idx="minor">
+              <a:schemeClr val="tx1"/>
+            </a:fontRef>
+          </p:style>
+        </p:cxnSp>
+        <p:sp>
+          <p:nvSpPr>
+            <p:cNvPr id="47" name="Forma livre 46"/>
+            <p:cNvSpPr/>
+            <p:nvPr/>
+          </p:nvSpPr>
+          <p:spPr>
+            <a:xfrm>
+              <a:off x="3137158" y="611277"/>
+              <a:ext cx="553832" cy="2160523"/>
+            </a:xfrm>
+            <a:custGeom>
+              <a:avLst/>
+              <a:gdLst>
+                <a:gd name="connsiteX0" fmla="*/ 0 w 553832"/>
+                <a:gd name="connsiteY0" fmla="*/ 2160523 h 2160523"/>
+                <a:gd name="connsiteX1" fmla="*/ 5769 w 553832"/>
+                <a:gd name="connsiteY1" fmla="*/ 712482 h 2160523"/>
+                <a:gd name="connsiteX2" fmla="*/ 553832 w 553832"/>
+                <a:gd name="connsiteY2" fmla="*/ 0 h 2160523"/>
+                <a:gd name="connsiteX3" fmla="*/ 550947 w 553832"/>
+                <a:gd name="connsiteY3" fmla="*/ 1442272 h 2160523"/>
+                <a:gd name="connsiteX4" fmla="*/ 0 w 553832"/>
+                <a:gd name="connsiteY4" fmla="*/ 2160523 h 2160523"/>
+              </a:gdLst>
+              <a:ahLst/>
+              <a:cxnLst>
+                <a:cxn ang="0">
+                  <a:pos x="connsiteX0" y="connsiteY0"/>
+                </a:cxn>
+                <a:cxn ang="0">
+                  <a:pos x="connsiteX1" y="connsiteY1"/>
+                </a:cxn>
+                <a:cxn ang="0">
+                  <a:pos x="connsiteX2" y="connsiteY2"/>
+                </a:cxn>
+                <a:cxn ang="0">
+                  <a:pos x="connsiteX3" y="connsiteY3"/>
+                </a:cxn>
+                <a:cxn ang="0">
+                  <a:pos x="connsiteX4" y="connsiteY4"/>
+                </a:cxn>
+              </a:cxnLst>
+              <a:rect l="l" t="t" r="r" b="b"/>
+              <a:pathLst>
+                <a:path w="553832" h="2160523">
+                  <a:moveTo>
+                    <a:pt x="0" y="2160523"/>
+                  </a:moveTo>
+                  <a:lnTo>
+                    <a:pt x="5769" y="712482"/>
+                  </a:lnTo>
+                  <a:lnTo>
+                    <a:pt x="553832" y="0"/>
+                  </a:lnTo>
+                  <a:cubicBezTo>
+                    <a:pt x="552870" y="480757"/>
+                    <a:pt x="551909" y="961515"/>
+                    <a:pt x="550947" y="1442272"/>
+                  </a:cubicBezTo>
+                  <a:lnTo>
+                    <a:pt x="0" y="2160523"/>
+                  </a:lnTo>
+                  <a:close/>
+                </a:path>
+              </a:pathLst>
+            </a:custGeom>
+            <a:solidFill>
+              <a:srgbClr val="BABABA">
+                <a:alpha val="60000"/>
+              </a:srgbClr>
+            </a:solidFill>
+            <a:ln>
+              <a:solidFill>
+                <a:schemeClr val="tx1"/>
+              </a:solidFill>
+              <a:prstDash val="sysDash"/>
+            </a:ln>
+          </p:spPr>
+          <p:style>
+            <a:lnRef idx="2">
+              <a:schemeClr val="accent1">
+                <a:shade val="50000"/>
+              </a:schemeClr>
+            </a:lnRef>
+            <a:fillRef idx="1">
+              <a:schemeClr val="accent1"/>
+            </a:fillRef>
+            <a:effectRef idx="0">
+              <a:schemeClr val="accent1"/>
+            </a:effectRef>
+            <a:fontRef idx="minor">
+              <a:schemeClr val="lt1"/>
+            </a:fontRef>
+          </p:style>
+          <p:txBody>
+            <a:bodyPr rtlCol="0" anchor="ctr"/>
+            <a:lstStyle/>
+            <a:p>
+              <a:pPr algn="ctr"/>
+              <a:endParaRPr lang="pt-BR"/>
+            </a:p>
+          </p:txBody>
+        </p:sp>
+        <p:sp>
+          <p:nvSpPr>
+            <p:cNvPr id="48" name="Retângulo 47"/>
+            <p:cNvSpPr/>
+            <p:nvPr/>
+          </p:nvSpPr>
+          <p:spPr>
+            <a:xfrm>
+              <a:off x="2593152" y="1328953"/>
+              <a:ext cx="1080000" cy="1440160"/>
+            </a:xfrm>
+            <a:prstGeom prst="rect">
+              <a:avLst/>
+            </a:prstGeom>
+            <a:noFill/>
+            <a:ln w="28575">
+              <a:solidFill>
+                <a:schemeClr val="tx1"/>
+              </a:solidFill>
+            </a:ln>
+          </p:spPr>
+          <p:style>
+            <a:lnRef idx="2">
+              <a:schemeClr val="accent1">
+                <a:shade val="50000"/>
+              </a:schemeClr>
+            </a:lnRef>
+            <a:fillRef idx="1">
+              <a:schemeClr val="accent1"/>
+            </a:fillRef>
+            <a:effectRef idx="0">
+              <a:schemeClr val="accent1"/>
+            </a:effectRef>
+            <a:fontRef idx="minor">
+              <a:schemeClr val="lt1"/>
+            </a:fontRef>
+          </p:style>
+          <p:txBody>
+            <a:bodyPr rtlCol="0" anchor="ctr"/>
+            <a:lstStyle/>
+            <a:p>
+              <a:pPr algn="ctr"/>
+              <a:endParaRPr lang="pt-BR"/>
+            </a:p>
+          </p:txBody>
+        </p:sp>
+        <p:cxnSp>
+          <p:nvCxnSpPr>
+            <p:cNvPr id="49" name="Conector reto 48"/>
+            <p:cNvCxnSpPr/>
+            <p:nvPr/>
+          </p:nvCxnSpPr>
+          <p:spPr>
+            <a:xfrm flipV="1">
+              <a:off x="3673152" y="613381"/>
+              <a:ext cx="547816" cy="715489"/>
+            </a:xfrm>
+            <a:prstGeom prst="line">
+              <a:avLst/>
+            </a:prstGeom>
+            <a:ln w="28575">
+              <a:solidFill>
+                <a:schemeClr val="tx1"/>
+              </a:solidFill>
+            </a:ln>
+          </p:spPr>
+          <p:style>
+            <a:lnRef idx="1">
+              <a:schemeClr val="accent1"/>
+            </a:lnRef>
+            <a:fillRef idx="0">
+              <a:schemeClr val="accent1"/>
+            </a:fillRef>
+            <a:effectRef idx="0">
+              <a:schemeClr val="accent1"/>
+            </a:effectRef>
+            <a:fontRef idx="minor">
+              <a:schemeClr val="tx1"/>
+            </a:fontRef>
+          </p:style>
+        </p:cxnSp>
+      </p:grpSp>
+      <p:grpSp>
+        <p:nvGrpSpPr>
+          <p:cNvPr id="50" name="Grupo 49"/>
+          <p:cNvGrpSpPr/>
+          <p:nvPr/>
+        </p:nvGrpSpPr>
+        <p:grpSpPr>
+          <a:xfrm>
+            <a:off x="3471834" y="755293"/>
+            <a:ext cx="1627936" cy="2160523"/>
+            <a:chOff x="2593152" y="611277"/>
+            <a:chExt cx="1627936" cy="2160523"/>
+          </a:xfrm>
+        </p:grpSpPr>
+        <p:sp>
+          <p:nvSpPr>
+            <p:cNvPr id="51" name="Retângulo 50"/>
+            <p:cNvSpPr/>
+            <p:nvPr/>
+          </p:nvSpPr>
+          <p:spPr>
+            <a:xfrm>
+              <a:off x="3140968" y="613465"/>
+              <a:ext cx="1080000" cy="1440160"/>
+            </a:xfrm>
+            <a:prstGeom prst="rect">
+              <a:avLst/>
+            </a:prstGeom>
+            <a:noFill/>
+            <a:ln w="28575">
+              <a:solidFill>
+                <a:schemeClr val="tx1"/>
+              </a:solidFill>
+            </a:ln>
+          </p:spPr>
+          <p:style>
+            <a:lnRef idx="2">
+              <a:schemeClr val="accent1">
+                <a:shade val="50000"/>
+              </a:schemeClr>
+            </a:lnRef>
+            <a:fillRef idx="1">
+              <a:schemeClr val="accent1"/>
+            </a:fillRef>
+            <a:effectRef idx="0">
+              <a:schemeClr val="accent1"/>
+            </a:effectRef>
+            <a:fontRef idx="minor">
+              <a:schemeClr val="lt1"/>
+            </a:fontRef>
+          </p:style>
+          <p:txBody>
+            <a:bodyPr rtlCol="0" anchor="ctr"/>
+            <a:lstStyle/>
+            <a:p>
+              <a:pPr algn="ctr"/>
+              <a:endParaRPr lang="pt-BR"/>
+            </a:p>
+          </p:txBody>
+        </p:sp>
+        <p:cxnSp>
+          <p:nvCxnSpPr>
+            <p:cNvPr id="52" name="Conector reto 51"/>
+            <p:cNvCxnSpPr/>
+            <p:nvPr/>
+          </p:nvCxnSpPr>
+          <p:spPr>
+            <a:xfrm flipV="1">
+              <a:off x="2593152" y="613381"/>
+              <a:ext cx="547816" cy="715489"/>
+            </a:xfrm>
+            <a:prstGeom prst="line">
+              <a:avLst/>
+            </a:prstGeom>
+            <a:ln w="28575">
+              <a:solidFill>
+                <a:schemeClr val="tx1"/>
+              </a:solidFill>
+            </a:ln>
+          </p:spPr>
+          <p:style>
+            <a:lnRef idx="1">
+              <a:schemeClr val="accent1"/>
+            </a:lnRef>
+            <a:fillRef idx="0">
+              <a:schemeClr val="accent1"/>
+            </a:fillRef>
+            <a:effectRef idx="0">
+              <a:schemeClr val="accent1"/>
+            </a:effectRef>
+            <a:fontRef idx="minor">
+              <a:schemeClr val="tx1"/>
+            </a:fontRef>
+          </p:style>
+        </p:cxnSp>
+        <p:cxnSp>
+          <p:nvCxnSpPr>
+            <p:cNvPr id="53" name="Conector reto 52"/>
+            <p:cNvCxnSpPr/>
+            <p:nvPr/>
+          </p:nvCxnSpPr>
+          <p:spPr>
+            <a:xfrm flipV="1">
+              <a:off x="3673272" y="2055838"/>
+              <a:ext cx="547816" cy="715489"/>
+            </a:xfrm>
+            <a:prstGeom prst="line">
+              <a:avLst/>
+            </a:prstGeom>
+            <a:ln w="28575">
+              <a:solidFill>
+                <a:schemeClr val="tx1"/>
+              </a:solidFill>
+            </a:ln>
+          </p:spPr>
+          <p:style>
+            <a:lnRef idx="1">
+              <a:schemeClr val="accent1"/>
+            </a:lnRef>
+            <a:fillRef idx="0">
+              <a:schemeClr val="accent1"/>
+            </a:fillRef>
+            <a:effectRef idx="0">
+              <a:schemeClr val="accent1"/>
+            </a:effectRef>
+            <a:fontRef idx="minor">
+              <a:schemeClr val="tx1"/>
+            </a:fontRef>
+          </p:style>
+        </p:cxnSp>
+        <p:cxnSp>
+          <p:nvCxnSpPr>
+            <p:cNvPr id="54" name="Conector reto 53"/>
+            <p:cNvCxnSpPr/>
+            <p:nvPr/>
+          </p:nvCxnSpPr>
+          <p:spPr>
+            <a:xfrm flipV="1">
+              <a:off x="2593272" y="2055838"/>
+              <a:ext cx="547816" cy="715489"/>
+            </a:xfrm>
+            <a:prstGeom prst="line">
+              <a:avLst/>
+            </a:prstGeom>
+            <a:ln w="28575">
+              <a:solidFill>
+                <a:schemeClr val="tx1"/>
+              </a:solidFill>
+            </a:ln>
+          </p:spPr>
+          <p:style>
+            <a:lnRef idx="1">
+              <a:schemeClr val="accent1"/>
+            </a:lnRef>
+            <a:fillRef idx="0">
+              <a:schemeClr val="accent1"/>
+            </a:fillRef>
+            <a:effectRef idx="0">
+              <a:schemeClr val="accent1"/>
+            </a:effectRef>
+            <a:fontRef idx="minor">
+              <a:schemeClr val="tx1"/>
+            </a:fontRef>
+          </p:style>
+        </p:cxnSp>
+        <p:sp>
+          <p:nvSpPr>
+            <p:cNvPr id="55" name="Forma livre 54"/>
+            <p:cNvSpPr/>
+            <p:nvPr/>
+          </p:nvSpPr>
+          <p:spPr>
+            <a:xfrm>
+              <a:off x="3137158" y="611277"/>
+              <a:ext cx="553832" cy="2160523"/>
+            </a:xfrm>
+            <a:custGeom>
+              <a:avLst/>
+              <a:gdLst>
+                <a:gd name="connsiteX0" fmla="*/ 0 w 553832"/>
+                <a:gd name="connsiteY0" fmla="*/ 2160523 h 2160523"/>
+                <a:gd name="connsiteX1" fmla="*/ 5769 w 553832"/>
+                <a:gd name="connsiteY1" fmla="*/ 712482 h 2160523"/>
+                <a:gd name="connsiteX2" fmla="*/ 553832 w 553832"/>
+                <a:gd name="connsiteY2" fmla="*/ 0 h 2160523"/>
+                <a:gd name="connsiteX3" fmla="*/ 550947 w 553832"/>
+                <a:gd name="connsiteY3" fmla="*/ 1442272 h 2160523"/>
+                <a:gd name="connsiteX4" fmla="*/ 0 w 553832"/>
+                <a:gd name="connsiteY4" fmla="*/ 2160523 h 2160523"/>
+              </a:gdLst>
+              <a:ahLst/>
+              <a:cxnLst>
+                <a:cxn ang="0">
+                  <a:pos x="connsiteX0" y="connsiteY0"/>
+                </a:cxn>
+                <a:cxn ang="0">
+                  <a:pos x="connsiteX1" y="connsiteY1"/>
+                </a:cxn>
+                <a:cxn ang="0">
+                  <a:pos x="connsiteX2" y="connsiteY2"/>
+                </a:cxn>
+                <a:cxn ang="0">
+                  <a:pos x="connsiteX3" y="connsiteY3"/>
+                </a:cxn>
+                <a:cxn ang="0">
+                  <a:pos x="connsiteX4" y="connsiteY4"/>
+                </a:cxn>
+              </a:cxnLst>
+              <a:rect l="l" t="t" r="r" b="b"/>
+              <a:pathLst>
+                <a:path w="553832" h="2160523">
+                  <a:moveTo>
+                    <a:pt x="0" y="2160523"/>
+                  </a:moveTo>
+                  <a:lnTo>
+                    <a:pt x="5769" y="712482"/>
+                  </a:lnTo>
+                  <a:lnTo>
+                    <a:pt x="553832" y="0"/>
+                  </a:lnTo>
+                  <a:cubicBezTo>
+                    <a:pt x="552870" y="480757"/>
+                    <a:pt x="551909" y="961515"/>
+                    <a:pt x="550947" y="1442272"/>
+                  </a:cubicBezTo>
+                  <a:lnTo>
+                    <a:pt x="0" y="2160523"/>
+                  </a:lnTo>
+                  <a:close/>
+                </a:path>
+              </a:pathLst>
+            </a:custGeom>
+            <a:solidFill>
+              <a:srgbClr val="BABABA">
+                <a:alpha val="60000"/>
+              </a:srgbClr>
+            </a:solidFill>
+            <a:ln>
+              <a:solidFill>
+                <a:schemeClr val="tx1"/>
+              </a:solidFill>
+              <a:prstDash val="sysDash"/>
+            </a:ln>
+          </p:spPr>
+          <p:style>
+            <a:lnRef idx="2">
+              <a:schemeClr val="accent1">
+                <a:shade val="50000"/>
+              </a:schemeClr>
+            </a:lnRef>
+            <a:fillRef idx="1">
+              <a:schemeClr val="accent1"/>
+            </a:fillRef>
+            <a:effectRef idx="0">
+              <a:schemeClr val="accent1"/>
+            </a:effectRef>
+            <a:fontRef idx="minor">
+              <a:schemeClr val="lt1"/>
+            </a:fontRef>
+          </p:style>
+          <p:txBody>
+            <a:bodyPr rtlCol="0" anchor="ctr"/>
+            <a:lstStyle/>
+            <a:p>
+              <a:pPr algn="ctr"/>
+              <a:endParaRPr lang="pt-BR"/>
+            </a:p>
+          </p:txBody>
+        </p:sp>
+        <p:sp>
+          <p:nvSpPr>
+            <p:cNvPr id="56" name="Retângulo 55"/>
+            <p:cNvSpPr/>
+            <p:nvPr/>
+          </p:nvSpPr>
+          <p:spPr>
+            <a:xfrm>
+              <a:off x="2593152" y="1328953"/>
+              <a:ext cx="1080000" cy="1440160"/>
+            </a:xfrm>
+            <a:prstGeom prst="rect">
+              <a:avLst/>
+            </a:prstGeom>
+            <a:noFill/>
+            <a:ln w="28575">
+              <a:solidFill>
+                <a:schemeClr val="tx1"/>
+              </a:solidFill>
+            </a:ln>
+          </p:spPr>
+          <p:style>
+            <a:lnRef idx="2">
+              <a:schemeClr val="accent1">
+                <a:shade val="50000"/>
+              </a:schemeClr>
+            </a:lnRef>
+            <a:fillRef idx="1">
+              <a:schemeClr val="accent1"/>
+            </a:fillRef>
+            <a:effectRef idx="0">
+              <a:schemeClr val="accent1"/>
+            </a:effectRef>
+            <a:fontRef idx="minor">
+              <a:schemeClr val="lt1"/>
+            </a:fontRef>
+          </p:style>
+          <p:txBody>
+            <a:bodyPr rtlCol="0" anchor="ctr"/>
+            <a:lstStyle/>
+            <a:p>
+              <a:pPr algn="ctr"/>
+              <a:endParaRPr lang="pt-BR"/>
+            </a:p>
+          </p:txBody>
+        </p:sp>
+        <p:cxnSp>
+          <p:nvCxnSpPr>
+            <p:cNvPr id="57" name="Conector reto 56"/>
+            <p:cNvCxnSpPr/>
+            <p:nvPr/>
+          </p:nvCxnSpPr>
+          <p:spPr>
+            <a:xfrm flipV="1">
+              <a:off x="3673152" y="613381"/>
+              <a:ext cx="547816" cy="715489"/>
+            </a:xfrm>
+            <a:prstGeom prst="line">
+              <a:avLst/>
+            </a:prstGeom>
+            <a:ln w="28575">
+              <a:solidFill>
+                <a:schemeClr val="tx1"/>
+              </a:solidFill>
+            </a:ln>
+          </p:spPr>
+          <p:style>
+            <a:lnRef idx="1">
+              <a:schemeClr val="accent1"/>
+            </a:lnRef>
+            <a:fillRef idx="0">
+              <a:schemeClr val="accent1"/>
+            </a:fillRef>
+            <a:effectRef idx="0">
+              <a:schemeClr val="accent1"/>
+            </a:effectRef>
+            <a:fontRef idx="minor">
+              <a:schemeClr val="tx1"/>
+            </a:fontRef>
+          </p:style>
+        </p:cxnSp>
+      </p:grpSp>
+      <p:grpSp>
+        <p:nvGrpSpPr>
+          <p:cNvPr id="58" name="Grupo 57"/>
+          <p:cNvGrpSpPr/>
+          <p:nvPr/>
+        </p:nvGrpSpPr>
+        <p:grpSpPr>
+          <a:xfrm>
+            <a:off x="5185440" y="755293"/>
+            <a:ext cx="1627936" cy="2160523"/>
+            <a:chOff x="2593152" y="611277"/>
+            <a:chExt cx="1627936" cy="2160523"/>
+          </a:xfrm>
+        </p:grpSpPr>
+        <p:sp>
+          <p:nvSpPr>
+            <p:cNvPr id="59" name="Retângulo 58"/>
+            <p:cNvSpPr/>
+            <p:nvPr/>
+          </p:nvSpPr>
+          <p:spPr>
+            <a:xfrm>
+              <a:off x="3140968" y="613465"/>
+              <a:ext cx="1080000" cy="1440160"/>
+            </a:xfrm>
+            <a:prstGeom prst="rect">
+              <a:avLst/>
+            </a:prstGeom>
+            <a:noFill/>
+            <a:ln w="28575">
+              <a:solidFill>
+                <a:schemeClr val="tx1"/>
+              </a:solidFill>
+            </a:ln>
+          </p:spPr>
+          <p:style>
+            <a:lnRef idx="2">
+              <a:schemeClr val="accent1">
+                <a:shade val="50000"/>
+              </a:schemeClr>
+            </a:lnRef>
+            <a:fillRef idx="1">
+              <a:schemeClr val="accent1"/>
+            </a:fillRef>
+            <a:effectRef idx="0">
+              <a:schemeClr val="accent1"/>
+            </a:effectRef>
+            <a:fontRef idx="minor">
+              <a:schemeClr val="lt1"/>
+            </a:fontRef>
+          </p:style>
+          <p:txBody>
+            <a:bodyPr rtlCol="0" anchor="ctr"/>
+            <a:lstStyle/>
+            <a:p>
+              <a:pPr algn="ctr"/>
+              <a:endParaRPr lang="pt-BR"/>
+            </a:p>
+          </p:txBody>
+        </p:sp>
+        <p:cxnSp>
+          <p:nvCxnSpPr>
+            <p:cNvPr id="60" name="Conector reto 59"/>
+            <p:cNvCxnSpPr/>
+            <p:nvPr/>
+          </p:nvCxnSpPr>
+          <p:spPr>
+            <a:xfrm flipV="1">
+              <a:off x="2593152" y="613381"/>
+              <a:ext cx="547816" cy="715489"/>
+            </a:xfrm>
+            <a:prstGeom prst="line">
+              <a:avLst/>
+            </a:prstGeom>
+            <a:ln w="28575">
+              <a:solidFill>
+                <a:schemeClr val="tx1"/>
+              </a:solidFill>
+            </a:ln>
+          </p:spPr>
+          <p:style>
+            <a:lnRef idx="1">
+              <a:schemeClr val="accent1"/>
+            </a:lnRef>
+            <a:fillRef idx="0">
+              <a:schemeClr val="accent1"/>
+            </a:fillRef>
+            <a:effectRef idx="0">
+              <a:schemeClr val="accent1"/>
+            </a:effectRef>
+            <a:fontRef idx="minor">
+              <a:schemeClr val="tx1"/>
+            </a:fontRef>
+          </p:style>
+        </p:cxnSp>
+        <p:cxnSp>
+          <p:nvCxnSpPr>
+            <p:cNvPr id="61" name="Conector reto 60"/>
+            <p:cNvCxnSpPr/>
+            <p:nvPr/>
+          </p:nvCxnSpPr>
+          <p:spPr>
+            <a:xfrm flipV="1">
+              <a:off x="3673272" y="2055838"/>
+              <a:ext cx="547816" cy="715489"/>
+            </a:xfrm>
+            <a:prstGeom prst="line">
+              <a:avLst/>
+            </a:prstGeom>
+            <a:ln w="28575">
+              <a:solidFill>
+                <a:schemeClr val="tx1"/>
+              </a:solidFill>
+            </a:ln>
+          </p:spPr>
+          <p:style>
+            <a:lnRef idx="1">
+              <a:schemeClr val="accent1"/>
+            </a:lnRef>
+            <a:fillRef idx="0">
+              <a:schemeClr val="accent1"/>
+            </a:fillRef>
+            <a:effectRef idx="0">
+              <a:schemeClr val="accent1"/>
+            </a:effectRef>
+            <a:fontRef idx="minor">
+              <a:schemeClr val="tx1"/>
+            </a:fontRef>
+          </p:style>
+        </p:cxnSp>
+        <p:cxnSp>
+          <p:nvCxnSpPr>
+            <p:cNvPr id="62" name="Conector reto 61"/>
+            <p:cNvCxnSpPr/>
+            <p:nvPr/>
+          </p:nvCxnSpPr>
+          <p:spPr>
+            <a:xfrm flipV="1">
+              <a:off x="2593272" y="2055838"/>
+              <a:ext cx="547816" cy="715489"/>
+            </a:xfrm>
+            <a:prstGeom prst="line">
+              <a:avLst/>
+            </a:prstGeom>
+            <a:ln w="28575">
+              <a:solidFill>
+                <a:schemeClr val="tx1"/>
+              </a:solidFill>
+            </a:ln>
+          </p:spPr>
+          <p:style>
+            <a:lnRef idx="1">
+              <a:schemeClr val="accent1"/>
+            </a:lnRef>
+            <a:fillRef idx="0">
+              <a:schemeClr val="accent1"/>
+            </a:fillRef>
+            <a:effectRef idx="0">
+              <a:schemeClr val="accent1"/>
+            </a:effectRef>
+            <a:fontRef idx="minor">
+              <a:schemeClr val="tx1"/>
+            </a:fontRef>
+          </p:style>
+        </p:cxnSp>
+        <p:sp>
+          <p:nvSpPr>
+            <p:cNvPr id="63" name="Forma livre 62"/>
+            <p:cNvSpPr/>
+            <p:nvPr/>
+          </p:nvSpPr>
+          <p:spPr>
+            <a:xfrm>
+              <a:off x="3137158" y="611277"/>
+              <a:ext cx="553832" cy="2160523"/>
+            </a:xfrm>
+            <a:custGeom>
+              <a:avLst/>
+              <a:gdLst>
+                <a:gd name="connsiteX0" fmla="*/ 0 w 553832"/>
+                <a:gd name="connsiteY0" fmla="*/ 2160523 h 2160523"/>
+                <a:gd name="connsiteX1" fmla="*/ 5769 w 553832"/>
+                <a:gd name="connsiteY1" fmla="*/ 712482 h 2160523"/>
+                <a:gd name="connsiteX2" fmla="*/ 553832 w 553832"/>
+                <a:gd name="connsiteY2" fmla="*/ 0 h 2160523"/>
+                <a:gd name="connsiteX3" fmla="*/ 550947 w 553832"/>
+                <a:gd name="connsiteY3" fmla="*/ 1442272 h 2160523"/>
+                <a:gd name="connsiteX4" fmla="*/ 0 w 553832"/>
+                <a:gd name="connsiteY4" fmla="*/ 2160523 h 2160523"/>
+              </a:gdLst>
+              <a:ahLst/>
+              <a:cxnLst>
+                <a:cxn ang="0">
+                  <a:pos x="connsiteX0" y="connsiteY0"/>
+                </a:cxn>
+                <a:cxn ang="0">
+                  <a:pos x="connsiteX1" y="connsiteY1"/>
+                </a:cxn>
+                <a:cxn ang="0">
+                  <a:pos x="connsiteX2" y="connsiteY2"/>
+                </a:cxn>
+                <a:cxn ang="0">
+                  <a:pos x="connsiteX3" y="connsiteY3"/>
+                </a:cxn>
+                <a:cxn ang="0">
+                  <a:pos x="connsiteX4" y="connsiteY4"/>
+                </a:cxn>
+              </a:cxnLst>
+              <a:rect l="l" t="t" r="r" b="b"/>
+              <a:pathLst>
+                <a:path w="553832" h="2160523">
+                  <a:moveTo>
+                    <a:pt x="0" y="2160523"/>
+                  </a:moveTo>
+                  <a:lnTo>
+                    <a:pt x="5769" y="712482"/>
+                  </a:lnTo>
+                  <a:lnTo>
+                    <a:pt x="553832" y="0"/>
+                  </a:lnTo>
+                  <a:cubicBezTo>
+                    <a:pt x="552870" y="480757"/>
+                    <a:pt x="551909" y="961515"/>
+                    <a:pt x="550947" y="1442272"/>
+                  </a:cubicBezTo>
+                  <a:lnTo>
+                    <a:pt x="0" y="2160523"/>
+                  </a:lnTo>
+                  <a:close/>
+                </a:path>
+              </a:pathLst>
+            </a:custGeom>
+            <a:solidFill>
+              <a:srgbClr val="BABABA">
+                <a:alpha val="60000"/>
+              </a:srgbClr>
+            </a:solidFill>
+            <a:ln>
+              <a:solidFill>
+                <a:schemeClr val="tx1"/>
+              </a:solidFill>
+              <a:prstDash val="sysDash"/>
+            </a:ln>
+          </p:spPr>
+          <p:style>
+            <a:lnRef idx="2">
+              <a:schemeClr val="accent1">
+                <a:shade val="50000"/>
+              </a:schemeClr>
+            </a:lnRef>
+            <a:fillRef idx="1">
+              <a:schemeClr val="accent1"/>
+            </a:fillRef>
+            <a:effectRef idx="0">
+              <a:schemeClr val="accent1"/>
+            </a:effectRef>
+            <a:fontRef idx="minor">
+              <a:schemeClr val="lt1"/>
+            </a:fontRef>
+          </p:style>
+          <p:txBody>
+            <a:bodyPr rtlCol="0" anchor="ctr"/>
+            <a:lstStyle/>
+            <a:p>
+              <a:pPr algn="ctr"/>
+              <a:endParaRPr lang="pt-BR"/>
+            </a:p>
+          </p:txBody>
+        </p:sp>
+        <p:sp>
+          <p:nvSpPr>
+            <p:cNvPr id="64" name="Retângulo 63"/>
+            <p:cNvSpPr/>
+            <p:nvPr/>
+          </p:nvSpPr>
+          <p:spPr>
+            <a:xfrm>
+              <a:off x="2593152" y="1328953"/>
+              <a:ext cx="1080000" cy="1440160"/>
+            </a:xfrm>
+            <a:prstGeom prst="rect">
+              <a:avLst/>
+            </a:prstGeom>
+            <a:noFill/>
+            <a:ln w="28575">
+              <a:solidFill>
+                <a:schemeClr val="tx1"/>
+              </a:solidFill>
+            </a:ln>
+          </p:spPr>
+          <p:style>
+            <a:lnRef idx="2">
+              <a:schemeClr val="accent1">
+                <a:shade val="50000"/>
+              </a:schemeClr>
+            </a:lnRef>
+            <a:fillRef idx="1">
+              <a:schemeClr val="accent1"/>
+            </a:fillRef>
+            <a:effectRef idx="0">
+              <a:schemeClr val="accent1"/>
+            </a:effectRef>
+            <a:fontRef idx="minor">
+              <a:schemeClr val="lt1"/>
+            </a:fontRef>
+          </p:style>
+          <p:txBody>
+            <a:bodyPr rtlCol="0" anchor="ctr"/>
+            <a:lstStyle/>
+            <a:p>
+              <a:pPr algn="ctr"/>
+              <a:endParaRPr lang="pt-BR"/>
+            </a:p>
+          </p:txBody>
+        </p:sp>
+        <p:cxnSp>
+          <p:nvCxnSpPr>
+            <p:cNvPr id="65" name="Conector reto 64"/>
+            <p:cNvCxnSpPr/>
+            <p:nvPr/>
+          </p:nvCxnSpPr>
+          <p:spPr>
+            <a:xfrm flipV="1">
+              <a:off x="3673152" y="613381"/>
+              <a:ext cx="547816" cy="715489"/>
+            </a:xfrm>
+            <a:prstGeom prst="line">
+              <a:avLst/>
+            </a:prstGeom>
+            <a:ln w="28575">
+              <a:solidFill>
+                <a:schemeClr val="tx1"/>
+              </a:solidFill>
+            </a:ln>
+          </p:spPr>
+          <p:style>
+            <a:lnRef idx="1">
+              <a:schemeClr val="accent1"/>
+            </a:lnRef>
+            <a:fillRef idx="0">
+              <a:schemeClr val="accent1"/>
+            </a:fillRef>
+            <a:effectRef idx="0">
+              <a:schemeClr val="accent1"/>
+            </a:effectRef>
+            <a:fontRef idx="minor">
+              <a:schemeClr val="tx1"/>
+            </a:fontRef>
+          </p:style>
+        </p:cxnSp>
+      </p:grpSp>
+      <p:sp>
+        <p:nvSpPr>
+          <p:cNvPr id="66" name="CaixaDeTexto 65"/>
+          <p:cNvSpPr txBox="1"/>
+          <p:nvPr/>
+        </p:nvSpPr>
+        <p:spPr>
+          <a:xfrm>
+            <a:off x="1988840" y="5292080"/>
+            <a:ext cx="312906" cy="400110"/>
+          </a:xfrm>
+          <a:prstGeom prst="rect">
+            <a:avLst/>
+          </a:prstGeom>
+          <a:noFill/>
+        </p:spPr>
+        <p:txBody>
+          <a:bodyPr wrap="none" rtlCol="0">
+            <a:spAutoFit/>
+          </a:bodyPr>
+          <a:lstStyle/>
+          <a:p>
+            <a:r>
+              <a:rPr lang="pt-BR" sz="2000" dirty="0">
+                <a:latin typeface="Times New Roman" panose="02020603050405020304" pitchFamily="18" charset="0"/>
+                <a:cs typeface="Times New Roman" panose="02020603050405020304" pitchFamily="18" charset="0"/>
+              </a:rPr>
+              <a:t>0</a:t>
+            </a:r>
+          </a:p>
+        </p:txBody>
+      </p:sp>
+      <p:sp>
+        <p:nvSpPr>
+          <p:cNvPr id="67" name="CaixaDeTexto 66"/>
+          <p:cNvSpPr txBox="1"/>
+          <p:nvPr/>
+        </p:nvSpPr>
+        <p:spPr>
+          <a:xfrm>
+            <a:off x="3417544" y="5292080"/>
+            <a:ext cx="312906" cy="400110"/>
+          </a:xfrm>
+          <a:prstGeom prst="rect">
+            <a:avLst/>
+          </a:prstGeom>
+          <a:noFill/>
+        </p:spPr>
+        <p:txBody>
+          <a:bodyPr wrap="none" rtlCol="0">
+            <a:spAutoFit/>
+          </a:bodyPr>
+          <a:lstStyle/>
+          <a:p>
+            <a:r>
+              <a:rPr lang="pt-BR" sz="2000" dirty="0" smtClean="0">
+                <a:latin typeface="Times New Roman" panose="02020603050405020304" pitchFamily="18" charset="0"/>
+                <a:cs typeface="Times New Roman" panose="02020603050405020304" pitchFamily="18" charset="0"/>
+              </a:rPr>
+              <a:t>1</a:t>
+            </a:r>
+            <a:endParaRPr lang="pt-BR" sz="2000" dirty="0">
+              <a:latin typeface="Times New Roman" panose="02020603050405020304" pitchFamily="18" charset="0"/>
+              <a:cs typeface="Times New Roman" panose="02020603050405020304" pitchFamily="18" charset="0"/>
+            </a:endParaRPr>
+          </a:p>
+        </p:txBody>
+      </p:sp>
+      <p:sp>
+        <p:nvSpPr>
+          <p:cNvPr id="68" name="CaixaDeTexto 67"/>
+          <p:cNvSpPr txBox="1"/>
+          <p:nvPr/>
+        </p:nvSpPr>
+        <p:spPr>
+          <a:xfrm>
+            <a:off x="4881873" y="5292080"/>
+            <a:ext cx="312906" cy="400110"/>
+          </a:xfrm>
+          <a:prstGeom prst="rect">
+            <a:avLst/>
+          </a:prstGeom>
+          <a:noFill/>
+        </p:spPr>
+        <p:txBody>
+          <a:bodyPr wrap="none" rtlCol="0">
+            <a:spAutoFit/>
+          </a:bodyPr>
+          <a:lstStyle/>
+          <a:p>
+            <a:r>
+              <a:rPr lang="pt-BR" sz="2000" dirty="0" smtClean="0">
+                <a:latin typeface="Times New Roman" panose="02020603050405020304" pitchFamily="18" charset="0"/>
+                <a:cs typeface="Times New Roman" panose="02020603050405020304" pitchFamily="18" charset="0"/>
+              </a:rPr>
+              <a:t>2</a:t>
+            </a:r>
+            <a:endParaRPr lang="pt-BR" sz="2000" dirty="0">
+              <a:latin typeface="Times New Roman" panose="02020603050405020304" pitchFamily="18" charset="0"/>
+              <a:cs typeface="Times New Roman" panose="02020603050405020304" pitchFamily="18" charset="0"/>
+            </a:endParaRPr>
+          </a:p>
+        </p:txBody>
+      </p:sp>
+      <p:sp>
+        <p:nvSpPr>
+          <p:cNvPr id="69" name="CaixaDeTexto 68"/>
+          <p:cNvSpPr txBox="1"/>
+          <p:nvPr/>
+        </p:nvSpPr>
+        <p:spPr>
+          <a:xfrm>
+            <a:off x="6346203" y="5292080"/>
+            <a:ext cx="312906" cy="400110"/>
+          </a:xfrm>
+          <a:prstGeom prst="rect">
+            <a:avLst/>
+          </a:prstGeom>
+          <a:noFill/>
+        </p:spPr>
+        <p:txBody>
+          <a:bodyPr wrap="none" rtlCol="0">
+            <a:spAutoFit/>
+          </a:bodyPr>
+          <a:lstStyle/>
+          <a:p>
+            <a:r>
+              <a:rPr lang="pt-BR" sz="2000" dirty="0" smtClean="0">
+                <a:latin typeface="Times New Roman" panose="02020603050405020304" pitchFamily="18" charset="0"/>
+                <a:cs typeface="Times New Roman" panose="02020603050405020304" pitchFamily="18" charset="0"/>
+              </a:rPr>
+              <a:t>3</a:t>
+            </a:r>
+            <a:endParaRPr lang="pt-BR" sz="2000" dirty="0">
+              <a:latin typeface="Times New Roman" panose="02020603050405020304" pitchFamily="18" charset="0"/>
+              <a:cs typeface="Times New Roman" panose="02020603050405020304" pitchFamily="18" charset="0"/>
+            </a:endParaRPr>
+          </a:p>
+        </p:txBody>
+      </p:sp>
+    </p:spTree>
+    <p:extLst>
+      <p:ext uri="{BB962C8B-B14F-4D97-AF65-F5344CB8AC3E}">
+        <p14:creationId xmlns:p14="http://schemas.microsoft.com/office/powerpoint/2010/main" val="2530141356"/>
+      </p:ext>
+    </p:extLst>
+  </p:cSld>
+  <p:clrMapOvr>
+    <a:masterClrMapping/>
+  </p:clrMapOvr>
+</p:sld>
+</file>
+
 <file path=ppt/theme/theme1.xml><?xml version="1.0" encoding="utf-8"?>
 <a:theme xmlns:a="http://schemas.openxmlformats.org/drawingml/2006/main" name="Tema do Office">
   <a:themeElements>
